--- a/Slides/8 - Backchannel.pptx
+++ b/Slides/8 - Backchannel.pptx
@@ -5,10 +5,10 @@
     <p:sldMasterId id="2147484082" r:id="rId34"/>
   </p:sldMasterIdLst>
   <p:notesMasterIdLst>
-    <p:notesMasterId r:id="rId48"/>
+    <p:notesMasterId r:id="rId49"/>
   </p:notesMasterIdLst>
   <p:handoutMasterIdLst>
-    <p:handoutMasterId r:id="rId49"/>
+    <p:handoutMasterId r:id="rId50"/>
   </p:handoutMasterIdLst>
   <p:sldIdLst>
     <p:sldId id="283" r:id="rId35"/>
@@ -23,7 +23,8 @@
     <p:sldId id="298" r:id="rId44"/>
     <p:sldId id="299" r:id="rId45"/>
     <p:sldId id="300" r:id="rId46"/>
-    <p:sldId id="257" r:id="rId47"/>
+    <p:sldId id="301" r:id="rId47"/>
+    <p:sldId id="257" r:id="rId48"/>
   </p:sldIdLst>
   <p:sldSz cx="12436475" cy="6994525"/>
   <p:notesSz cx="6858000" cy="9144000"/>
@@ -139,6 +140,7 @@
             <p14:sldId id="298"/>
             <p14:sldId id="299"/>
             <p14:sldId id="300"/>
+            <p14:sldId id="301"/>
             <p14:sldId id="257"/>
           </p14:sldIdLst>
         </p14:section>
@@ -187,6 +189,10 @@
     <p:extLst/>
   </p:cmAuthor>
 </p:cmAuthorLst>
+</file>
+
+<file path=ppt/revisionInfo.xml><?xml version="1.0" encoding="utf-8"?>
+<p1510:revInfo xmlns:a="http://schemas.openxmlformats.org/drawingml/2006/main" xmlns:r="http://schemas.openxmlformats.org/officeDocument/2006/relationships" xmlns:p1510="http://schemas.microsoft.com/office/powerpoint/2015/10/main"/>
 </file>
 
 <file path=ppt/handoutMasters/handoutMaster1.xml><?xml version="1.0" encoding="utf-8"?>
@@ -275,7 +281,7 @@
               <a:rPr lang="en-US" smtClean="0">
                 <a:latin typeface="Segoe UI" pitchFamily="34" charset="0"/>
               </a:rPr>
-              <a:t>6/8/2017 3:43 PM</a:t>
+              <a:t>6/12/2017 8:42 AM</a:t>
             </a:fld>
             <a:endParaRPr lang="en-US" dirty="0">
               <a:latin typeface="Segoe UI" pitchFamily="34" charset="0"/>
@@ -553,7 +559,7 @@
           <a:p>
             <a:fld id="{38EEC551-8CDA-4EB6-89BB-2A86C9F091C8}" type="datetime8">
               <a:rPr lang="en-US" smtClean="0"/>
-              <a:t>6/8/2017 3:43 PM</a:t>
+              <a:t>6/12/2017 8:42 AM</a:t>
             </a:fld>
             <a:endParaRPr lang="en-US" dirty="0"/>
           </a:p>
@@ -39258,8 +39264,8 @@
           </a:p>
         </p:txBody>
       </p:sp>
-      <mc:AlternateContent xmlns:mc="http://schemas.openxmlformats.org/markup-compatibility/2006" xmlns:we="http://schemas.microsoft.com/office/webextensions/webextension/2010/11" xmlns:pca="http://schemas.microsoft.com/office/powerpoint/2013/contentapp">
-        <mc:Choice Requires="we pca">
+      <mc:AlternateContent xmlns:mc="http://schemas.openxmlformats.org/markup-compatibility/2006">
+        <mc:Choice xmlns:we="http://schemas.microsoft.com/office/webextensions/webextension/2010/11" xmlns:pca="http://schemas.microsoft.com/office/powerpoint/2013/contentapp" Requires="we pca">
           <p:graphicFrame>
             <p:nvGraphicFramePr>
               <p:cNvPr id="4" name="Add-in 3" title="Code Presenter Pro"/>
@@ -39285,7 +39291,7 @@
             </a:graphic>
           </p:graphicFrame>
         </mc:Choice>
-        <mc:Fallback xmlns="">
+        <mc:Fallback>
           <p:pic>
             <p:nvPicPr>
               <p:cNvPr id="4" name="Add-in 3" title="Code Presenter Pro"/>
@@ -39393,6 +39399,111 @@
 </file>
 
 <file path=ppt/slides/slide13.xml><?xml version="1.0" encoding="utf-8"?>
+<p:sld xmlns:a="http://schemas.openxmlformats.org/drawingml/2006/main" xmlns:r="http://schemas.openxmlformats.org/officeDocument/2006/relationships" xmlns:p="http://schemas.openxmlformats.org/presentationml/2006/main">
+  <p:cSld>
+    <p:spTree>
+      <p:nvGrpSpPr>
+        <p:cNvPr id="1" name=""/>
+        <p:cNvGrpSpPr/>
+        <p:nvPr/>
+      </p:nvGrpSpPr>
+      <p:grpSpPr>
+        <a:xfrm>
+          <a:off x="0" y="0"/>
+          <a:ext cx="0" cy="0"/>
+          <a:chOff x="0" y="0"/>
+          <a:chExt cx="0" cy="0"/>
+        </a:xfrm>
+      </p:grpSpPr>
+      <p:sp>
+        <p:nvSpPr>
+          <p:cNvPr id="4" name="Title 3">
+            <a:extLst>
+              <a:ext uri="{FF2B5EF4-FFF2-40B4-BE49-F238E27FC236}">
+                <a16:creationId xmlns:a16="http://schemas.microsoft.com/office/drawing/2014/main" id="{59DEB00B-8D8D-4089-B2F3-AC597939ECEF}"/>
+              </a:ext>
+            </a:extLst>
+          </p:cNvPr>
+          <p:cNvSpPr>
+            <a:spLocks noGrp="1"/>
+          </p:cNvSpPr>
+          <p:nvPr>
+            <p:ph type="title"/>
+          </p:nvPr>
+        </p:nvSpPr>
+        <p:spPr/>
+        <p:txBody>
+          <a:bodyPr/>
+          <a:lstStyle/>
+          <a:p>
+            <a:r>
+              <a:rPr lang="en-US" dirty="0"/>
+              <a:t>Your turn</a:t>
+            </a:r>
+          </a:p>
+        </p:txBody>
+      </p:sp>
+      <p:sp>
+        <p:nvSpPr>
+          <p:cNvPr id="5" name="Text Placeholder 4">
+            <a:extLst>
+              <a:ext uri="{FF2B5EF4-FFF2-40B4-BE49-F238E27FC236}">
+                <a16:creationId xmlns:a16="http://schemas.microsoft.com/office/drawing/2014/main" id="{D2A2862D-43F5-4418-ADF2-073441AFB8B6}"/>
+              </a:ext>
+            </a:extLst>
+          </p:cNvPr>
+          <p:cNvSpPr>
+            <a:spLocks noGrp="1"/>
+          </p:cNvSpPr>
+          <p:nvPr>
+            <p:ph type="body" sz="quarter" idx="10"/>
+          </p:nvPr>
+        </p:nvSpPr>
+        <p:spPr>
+          <a:xfrm>
+            <a:off x="365760" y="1371600"/>
+            <a:ext cx="11704320" cy="926407"/>
+          </a:xfrm>
+        </p:spPr>
+        <p:txBody>
+          <a:bodyPr/>
+          <a:lstStyle/>
+          <a:p>
+            <a:r>
+              <a:rPr lang="en-US" dirty="0"/>
+              <a:t>Update your bot to:</a:t>
+            </a:r>
+          </a:p>
+          <a:p>
+            <a:pPr lvl="1"/>
+            <a:r>
+              <a:rPr lang="en-US" dirty="0"/>
+              <a:t>Allow messages to be sent from a hosting </a:t>
+            </a:r>
+            <a:r>
+              <a:rPr lang="en-US"/>
+              <a:t>web page to the user</a:t>
+            </a:r>
+          </a:p>
+        </p:txBody>
+      </p:sp>
+    </p:spTree>
+    <p:extLst>
+      <p:ext uri="{BB962C8B-B14F-4D97-AF65-F5344CB8AC3E}">
+        <p14:creationId xmlns:p14="http://schemas.microsoft.com/office/powerpoint/2010/main" val="2025494664"/>
+      </p:ext>
+    </p:extLst>
+  </p:cSld>
+  <p:clrMapOvr>
+    <a:masterClrMapping/>
+  </p:clrMapOvr>
+  <p:transition>
+    <p:fade/>
+  </p:transition>
+</p:sld>
+</file>
+
+<file path=ppt/slides/slide14.xml><?xml version="1.0" encoding="utf-8"?>
 <p:sld xmlns:a="http://schemas.openxmlformats.org/drawingml/2006/main" xmlns:r="http://schemas.openxmlformats.org/officeDocument/2006/relationships" xmlns:p="http://schemas.openxmlformats.org/presentationml/2006/main">
   <p:cSld>
     <p:spTree>
@@ -44545,17 +44656,47 @@
 
 <file path=customXml/item1.xml><?xml version="1.0" encoding="utf-8"?>
 <Control xmlns="http://schemas.microsoft.com/VisualStudio/2011/storyboarding/control">
-  <Id Name="369f9055-6b6c-48b9-9320-5df2d46c430a" Revision="1" Stencil="7276b9ef-3953-4dce-a89b-ed85f20b8b93" StencilVersion="1.0"/>
+  <Id Name="fb22c541-ded0-47fa-8877-83a4c2d16227" Revision="1" Stencil="7276b9ef-3953-4dce-a89b-ed85f20b8b93" StencilVersion="1.0"/>
 </Control>
 </file>
 
 <file path=customXml/item10.xml><?xml version="1.0" encoding="utf-8"?>
 <Control xmlns="http://schemas.microsoft.com/VisualStudio/2011/storyboarding/control">
+  <Id Name="fb22c541-ded0-47fa-8877-83a4c2d16227" Revision="1" Stencil="7276b9ef-3953-4dce-a89b-ed85f20b8b93" StencilVersion="1.0"/>
+</Control>
+</file>
+
+<file path=customXml/item11.xml><?xml version="1.0" encoding="utf-8"?>
+<Control xmlns="http://schemas.microsoft.com/VisualStudio/2011/storyboarding/control">
+  <Id Name="fb22c541-ded0-47fa-8877-83a4c2d16227" Revision="1" Stencil="7276b9ef-3953-4dce-a89b-ed85f20b8b93" StencilVersion="1.0"/>
+</Control>
+</file>
+
+<file path=customXml/item12.xml><?xml version="1.0" encoding="utf-8"?>
+<Control xmlns="http://schemas.microsoft.com/VisualStudio/2011/storyboarding/control">
+  <Id Name="a53d73d2-368b-429e-b817-1324eec1382c" Revision="1" Stencil="7276b9ef-3953-4dce-a89b-ed85f20b8b93" StencilVersion="1.0"/>
+</Control>
+</file>
+
+<file path=customXml/item13.xml><?xml version="1.0" encoding="utf-8"?>
+<Control xmlns="http://schemas.microsoft.com/VisualStudio/2011/storyboarding/control">
+  <Id Name="a2191c86-fc50-4add-948c-129f6b5a88d8" Revision="1" Stencil="7276b9ef-3953-4dce-a89b-ed85f20b8b93" StencilVersion="1.0"/>
+</Control>
+</file>
+
+<file path=customXml/item14.xml><?xml version="1.0" encoding="utf-8"?>
+<Control xmlns="http://schemas.microsoft.com/VisualStudio/2011/storyboarding/control">
   <Id Name="369f9055-6b6c-48b9-9320-5df2d46c430a" Revision="1" Stencil="7276b9ef-3953-4dce-a89b-ed85f20b8b93" StencilVersion="1.0"/>
 </Control>
 </file>
 
-<file path=customXml/item11.xml><?xml version="1.0" encoding="utf-8"?>
+<file path=customXml/item15.xml><?xml version="1.0" encoding="utf-8"?>
+<Control xmlns="http://schemas.microsoft.com/VisualStudio/2011/storyboarding/control">
+  <Id Name="a2191c86-fc50-4add-948c-129f6b5a88d8" Revision="1" Stencil="7276b9ef-3953-4dce-a89b-ed85f20b8b93" StencilVersion="1.0"/>
+</Control>
+</file>
+
+<file path=customXml/item16.xml><?xml version="1.0" encoding="utf-8"?>
 <?mso-contentType ?>
 <FormTemplates xmlns="http://schemas.microsoft.com/sharepoint/v3/contenttype/forms">
   <Display>DocumentLibraryForm</Display>
@@ -44564,7 +44705,133 @@
 </FormTemplates>
 </file>
 
-<file path=customXml/item12.xml><?xml version="1.0" encoding="utf-8"?>
+<file path=customXml/item17.xml><?xml version="1.0" encoding="utf-8"?>
+<Control xmlns="http://schemas.microsoft.com/VisualStudio/2011/storyboarding/control">
+  <Id Name="fb22c541-ded0-47fa-8877-83a4c2d16227" Revision="1" Stencil="7276b9ef-3953-4dce-a89b-ed85f20b8b93" StencilVersion="1.0"/>
+</Control>
+</file>
+
+<file path=customXml/item18.xml><?xml version="1.0" encoding="utf-8"?>
+<Control xmlns="http://schemas.microsoft.com/VisualStudio/2011/storyboarding/control">
+  <Id Name="a2191c86-fc50-4add-948c-129f6b5a88d8" Revision="1" Stencil="7276b9ef-3953-4dce-a89b-ed85f20b8b93" StencilVersion="1.0"/>
+</Control>
+</file>
+
+<file path=customXml/item19.xml><?xml version="1.0" encoding="utf-8"?>
+<Control xmlns="http://schemas.microsoft.com/VisualStudio/2011/storyboarding/control">
+  <Id Name="a53d73d2-368b-429e-b817-1324eec1382c" Revision="1" Stencil="7276b9ef-3953-4dce-a89b-ed85f20b8b93" StencilVersion="1.0"/>
+</Control>
+</file>
+
+<file path=customXml/item2.xml><?xml version="1.0" encoding="utf-8"?>
+<Control xmlns="http://schemas.microsoft.com/VisualStudio/2011/storyboarding/control">
+  <Id Name="369f9055-6b6c-48b9-9320-5df2d46c430a" Revision="1" Stencil="7276b9ef-3953-4dce-a89b-ed85f20b8b93" StencilVersion="1.0"/>
+</Control>
+</file>
+
+<file path=customXml/item20.xml><?xml version="1.0" encoding="utf-8"?>
+<Control xmlns="http://schemas.microsoft.com/VisualStudio/2011/storyboarding/control">
+  <Id Name="fb22c541-ded0-47fa-8877-83a4c2d16227" Revision="1" Stencil="7276b9ef-3953-4dce-a89b-ed85f20b8b93" StencilVersion="1.0"/>
+</Control>
+</file>
+
+<file path=customXml/item21.xml><?xml version="1.0" encoding="utf-8"?>
+<Control xmlns="http://schemas.microsoft.com/VisualStudio/2011/storyboarding/control">
+  <Id Name="a53d73d2-368b-429e-b817-1324eec1382c" Revision="1" Stencil="7276b9ef-3953-4dce-a89b-ed85f20b8b93" StencilVersion="1.0"/>
+</Control>
+</file>
+
+<file path=customXml/item22.xml><?xml version="1.0" encoding="utf-8"?>
+<Control xmlns="http://schemas.microsoft.com/VisualStudio/2011/storyboarding/control">
+  <Id Name="a53d73d2-368b-429e-b817-1324eec1382c" Revision="1" Stencil="7276b9ef-3953-4dce-a89b-ed85f20b8b93" StencilVersion="1.0"/>
+</Control>
+</file>
+
+<file path=customXml/item23.xml><?xml version="1.0" encoding="utf-8"?>
+<Control xmlns="http://schemas.microsoft.com/VisualStudio/2011/storyboarding/control">
+  <Id Name="369f9055-6b6c-48b9-9320-5df2d46c430a" Revision="1" Stencil="7276b9ef-3953-4dce-a89b-ed85f20b8b93" StencilVersion="1.0"/>
+</Control>
+</file>
+
+<file path=customXml/item24.xml><?xml version="1.0" encoding="utf-8"?>
+<Control xmlns="http://schemas.microsoft.com/VisualStudio/2011/storyboarding/control">
+  <Id Name="fb22c541-ded0-47fa-8877-83a4c2d16227" Revision="1" Stencil="7276b9ef-3953-4dce-a89b-ed85f20b8b93" StencilVersion="1.0"/>
+</Control>
+</file>
+
+<file path=customXml/item25.xml><?xml version="1.0" encoding="utf-8"?>
+<Control xmlns="http://schemas.microsoft.com/VisualStudio/2011/storyboarding/control">
+  <Id Name="a53d73d2-368b-429e-b817-1324eec1382c" Revision="1" Stencil="7276b9ef-3953-4dce-a89b-ed85f20b8b93" StencilVersion="1.0"/>
+</Control>
+</file>
+
+<file path=customXml/item26.xml><?xml version="1.0" encoding="utf-8"?>
+<Control xmlns="http://schemas.microsoft.com/VisualStudio/2011/storyboarding/control">
+  <Id Name="d69996e1-3d61-4686-9b63-f1b855c596ab" Revision="1" Stencil="7276b9ef-3953-4dce-a89b-ed85f20b8b93" StencilVersion="1.0"/>
+</Control>
+</file>
+
+<file path=customXml/item27.xml><?xml version="1.0" encoding="utf-8"?>
+<Control xmlns="http://schemas.microsoft.com/VisualStudio/2011/storyboarding/control">
+  <Id Name="a2191c86-fc50-4add-948c-129f6b5a88d8" Revision="1" Stencil="7276b9ef-3953-4dce-a89b-ed85f20b8b93" StencilVersion="1.0"/>
+</Control>
+</file>
+
+<file path=customXml/item28.xml><?xml version="1.0" encoding="utf-8"?>
+<Control xmlns="http://schemas.microsoft.com/VisualStudio/2011/storyboarding/control">
+  <Id Name="d69996e1-3d61-4686-9b63-f1b855c596ab" Revision="1" Stencil="7276b9ef-3953-4dce-a89b-ed85f20b8b93" StencilVersion="1.0"/>
+</Control>
+</file>
+
+<file path=customXml/item29.xml><?xml version="1.0" encoding="utf-8"?>
+<Control xmlns="http://schemas.microsoft.com/VisualStudio/2011/storyboarding/control">
+  <Id Name="d69996e1-3d61-4686-9b63-f1b855c596ab" Revision="1" Stencil="7276b9ef-3953-4dce-a89b-ed85f20b8b93" StencilVersion="1.0"/>
+</Control>
+</file>
+
+<file path=customXml/item3.xml><?xml version="1.0" encoding="utf-8"?>
+<Control xmlns="http://schemas.microsoft.com/VisualStudio/2011/storyboarding/control">
+  <Id Name="a53d73d2-368b-429e-b817-1324eec1382c" Revision="1" Stencil="7276b9ef-3953-4dce-a89b-ed85f20b8b93" StencilVersion="1.0"/>
+</Control>
+</file>
+
+<file path=customXml/item30.xml><?xml version="1.0" encoding="utf-8"?>
+<Control xmlns="http://schemas.microsoft.com/VisualStudio/2011/storyboarding/control">
+  <Id Name="369f9055-6b6c-48b9-9320-5df2d46c430a" Revision="1" Stencil="7276b9ef-3953-4dce-a89b-ed85f20b8b93" StencilVersion="1.0"/>
+</Control>
+</file>
+
+<file path=customXml/item31.xml><?xml version="1.0" encoding="utf-8"?>
+<Control xmlns="http://schemas.microsoft.com/VisualStudio/2011/storyboarding/control">
+  <Id Name="d69996e1-3d61-4686-9b63-f1b855c596ab" Revision="1" Stencil="7276b9ef-3953-4dce-a89b-ed85f20b8b93" StencilVersion="1.0"/>
+</Control>
+</file>
+
+<file path=customXml/item32.xml><?xml version="1.0" encoding="utf-8"?>
+<Control xmlns="http://schemas.microsoft.com/VisualStudio/2011/storyboarding/control">
+  <Id Name="d69996e1-3d61-4686-9b63-f1b855c596ab" Revision="1" Stencil="7276b9ef-3953-4dce-a89b-ed85f20b8b93" StencilVersion="1.0"/>
+</Control>
+</file>
+
+<file path=customXml/item33.xml><?xml version="1.0" encoding="utf-8"?>
+<Control xmlns="http://schemas.microsoft.com/VisualStudio/2011/storyboarding/control">
+  <Id Name="369f9055-6b6c-48b9-9320-5df2d46c430a" Revision="1" Stencil="7276b9ef-3953-4dce-a89b-ed85f20b8b93" StencilVersion="1.0"/>
+</Control>
+</file>
+
+<file path=customXml/item4.xml><?xml version="1.0" encoding="utf-8"?>
+<Control xmlns="http://schemas.microsoft.com/VisualStudio/2011/storyboarding/control">
+  <Id Name="369f9055-6b6c-48b9-9320-5df2d46c430a" Revision="1" Stencil="7276b9ef-3953-4dce-a89b-ed85f20b8b93" StencilVersion="1.0"/>
+</Control>
+</file>
+
+<file path=customXml/item5.xml><?xml version="1.0" encoding="utf-8"?>
+<Control xmlns="http://schemas.microsoft.com/VisualStudio/2011/storyboarding/control">
+  <Id Name="d69996e1-3d61-4686-9b63-f1b855c596ab" Revision="1" Stencil="7276b9ef-3953-4dce-a89b-ed85f20b8b93" StencilVersion="1.0"/>
+</Control>
+</file>
+
+<file path=customXml/item6.xml><?xml version="1.0" encoding="utf-8"?>
 <ct:contentTypeSchema xmlns:ct="http://schemas.microsoft.com/office/2006/metadata/contentType" xmlns:ma="http://schemas.microsoft.com/office/2006/metadata/properties/metaAttributes" ct:_="" ma:_="" ma:contentTypeName="Document" ma:contentTypeID="0x010100674EDBEC711BD14FBA6FF5C10FEFEAC7" ma:contentTypeVersion="2" ma:contentTypeDescription="Create a new document." ma:contentTypeScope="" ma:versionID="2439c5e21841780d4f192983b535a097">
   <xsd:schema xmlns:xsd="http://www.w3.org/2001/XMLSchema" xmlns:xs="http://www.w3.org/2001/XMLSchema" xmlns:p="http://schemas.microsoft.com/office/2006/metadata/properties" xmlns:ns2="83cd2334-221a-48c3-9034-bfd1542dfe28" targetNamespace="http://schemas.microsoft.com/office/2006/metadata/properties" ma:root="true" ma:fieldsID="2bca9163d8d0b233c3086236a9289b04" ns2:_="">
     <xsd:import namespace="83cd2334-221a-48c3-9034-bfd1542dfe28"/>
@@ -44712,31 +44979,7 @@
 </ct:contentTypeSchema>
 </file>
 
-<file path=customXml/item13.xml><?xml version="1.0" encoding="utf-8"?>
-<Control xmlns="http://schemas.microsoft.com/VisualStudio/2011/storyboarding/control">
-  <Id Name="369f9055-6b6c-48b9-9320-5df2d46c430a" Revision="1" Stencil="7276b9ef-3953-4dce-a89b-ed85f20b8b93" StencilVersion="1.0"/>
-</Control>
-</file>
-
-<file path=customXml/item14.xml><?xml version="1.0" encoding="utf-8"?>
-<Control xmlns="http://schemas.microsoft.com/VisualStudio/2011/storyboarding/control">
-  <Id Name="d69996e1-3d61-4686-9b63-f1b855c596ab" Revision="1" Stencil="7276b9ef-3953-4dce-a89b-ed85f20b8b93" StencilVersion="1.0"/>
-</Control>
-</file>
-
-<file path=customXml/item15.xml><?xml version="1.0" encoding="utf-8"?>
-<Control xmlns="http://schemas.microsoft.com/VisualStudio/2011/storyboarding/control">
-  <Id Name="fb22c541-ded0-47fa-8877-83a4c2d16227" Revision="1" Stencil="7276b9ef-3953-4dce-a89b-ed85f20b8b93" StencilVersion="1.0"/>
-</Control>
-</file>
-
-<file path=customXml/item16.xml><?xml version="1.0" encoding="utf-8"?>
-<Control xmlns="http://schemas.microsoft.com/VisualStudio/2011/storyboarding/control">
-  <Id Name="fb22c541-ded0-47fa-8877-83a4c2d16227" Revision="1" Stencil="7276b9ef-3953-4dce-a89b-ed85f20b8b93" StencilVersion="1.0"/>
-</Control>
-</file>
-
-<file path=customXml/item17.xml><?xml version="1.0" encoding="utf-8"?>
+<file path=customXml/item7.xml><?xml version="1.0" encoding="utf-8"?>
 <p:properties xmlns:p="http://schemas.microsoft.com/office/2006/metadata/properties" xmlns:xsi="http://www.w3.org/2001/XMLSchema-instance" xmlns:pc="http://schemas.microsoft.com/office/infopath/2007/PartnerControls">
   <documentManagement>
     <SharedWithUsers xmlns="83cd2334-221a-48c3-9034-bfd1542dfe28">
@@ -44760,141 +45003,9 @@
 </p:properties>
 </file>
 
-<file path=customXml/item18.xml><?xml version="1.0" encoding="utf-8"?>
-<Control xmlns="http://schemas.microsoft.com/VisualStudio/2011/storyboarding/control">
-  <Id Name="fb22c541-ded0-47fa-8877-83a4c2d16227" Revision="1" Stencil="7276b9ef-3953-4dce-a89b-ed85f20b8b93" StencilVersion="1.0"/>
-</Control>
-</file>
-
-<file path=customXml/item19.xml><?xml version="1.0" encoding="utf-8"?>
-<Control xmlns="http://schemas.microsoft.com/VisualStudio/2011/storyboarding/control">
-  <Id Name="fb22c541-ded0-47fa-8877-83a4c2d16227" Revision="1" Stencil="7276b9ef-3953-4dce-a89b-ed85f20b8b93" StencilVersion="1.0"/>
-</Control>
-</file>
-
-<file path=customXml/item2.xml><?xml version="1.0" encoding="utf-8"?>
-<Control xmlns="http://schemas.microsoft.com/VisualStudio/2011/storyboarding/control">
-  <Id Name="fb22c541-ded0-47fa-8877-83a4c2d16227" Revision="1" Stencil="7276b9ef-3953-4dce-a89b-ed85f20b8b93" StencilVersion="1.0"/>
-</Control>
-</file>
-
-<file path=customXml/item20.xml><?xml version="1.0" encoding="utf-8"?>
-<Control xmlns="http://schemas.microsoft.com/VisualStudio/2011/storyboarding/control">
-  <Id Name="a53d73d2-368b-429e-b817-1324eec1382c" Revision="1" Stencil="7276b9ef-3953-4dce-a89b-ed85f20b8b93" StencilVersion="1.0"/>
-</Control>
-</file>
-
-<file path=customXml/item21.xml><?xml version="1.0" encoding="utf-8"?>
-<Control xmlns="http://schemas.microsoft.com/VisualStudio/2011/storyboarding/control">
-  <Id Name="369f9055-6b6c-48b9-9320-5df2d46c430a" Revision="1" Stencil="7276b9ef-3953-4dce-a89b-ed85f20b8b93" StencilVersion="1.0"/>
-</Control>
-</file>
-
-<file path=customXml/item22.xml><?xml version="1.0" encoding="utf-8"?>
-<Control xmlns="http://schemas.microsoft.com/VisualStudio/2011/storyboarding/control">
-  <Id Name="d69996e1-3d61-4686-9b63-f1b855c596ab" Revision="1" Stencil="7276b9ef-3953-4dce-a89b-ed85f20b8b93" StencilVersion="1.0"/>
-</Control>
-</file>
-
-<file path=customXml/item23.xml><?xml version="1.0" encoding="utf-8"?>
-<Control xmlns="http://schemas.microsoft.com/VisualStudio/2011/storyboarding/control">
-  <Id Name="a53d73d2-368b-429e-b817-1324eec1382c" Revision="1" Stencil="7276b9ef-3953-4dce-a89b-ed85f20b8b93" StencilVersion="1.0"/>
-</Control>
-</file>
-
-<file path=customXml/item24.xml><?xml version="1.0" encoding="utf-8"?>
-<Control xmlns="http://schemas.microsoft.com/VisualStudio/2011/storyboarding/control">
-  <Id Name="fb22c541-ded0-47fa-8877-83a4c2d16227" Revision="1" Stencil="7276b9ef-3953-4dce-a89b-ed85f20b8b93" StencilVersion="1.0"/>
-</Control>
-</file>
-
-<file path=customXml/item25.xml><?xml version="1.0" encoding="utf-8"?>
+<file path=customXml/item8.xml><?xml version="1.0" encoding="utf-8"?>
 <Control xmlns="http://schemas.microsoft.com/VisualStudio/2011/storyboarding/control">
   <Id Name="a2191c86-fc50-4add-948c-129f6b5a88d8" Revision="1" Stencil="7276b9ef-3953-4dce-a89b-ed85f20b8b93" StencilVersion="1.0"/>
-</Control>
-</file>
-
-<file path=customXml/item26.xml><?xml version="1.0" encoding="utf-8"?>
-<Control xmlns="http://schemas.microsoft.com/VisualStudio/2011/storyboarding/control">
-  <Id Name="369f9055-6b6c-48b9-9320-5df2d46c430a" Revision="1" Stencil="7276b9ef-3953-4dce-a89b-ed85f20b8b93" StencilVersion="1.0"/>
-</Control>
-</file>
-
-<file path=customXml/item27.xml><?xml version="1.0" encoding="utf-8"?>
-<Control xmlns="http://schemas.microsoft.com/VisualStudio/2011/storyboarding/control">
-  <Id Name="369f9055-6b6c-48b9-9320-5df2d46c430a" Revision="1" Stencil="7276b9ef-3953-4dce-a89b-ed85f20b8b93" StencilVersion="1.0"/>
-</Control>
-</file>
-
-<file path=customXml/item28.xml><?xml version="1.0" encoding="utf-8"?>
-<Control xmlns="http://schemas.microsoft.com/VisualStudio/2011/storyboarding/control">
-  <Id Name="a53d73d2-368b-429e-b817-1324eec1382c" Revision="1" Stencil="7276b9ef-3953-4dce-a89b-ed85f20b8b93" StencilVersion="1.0"/>
-</Control>
-</file>
-
-<file path=customXml/item29.xml><?xml version="1.0" encoding="utf-8"?>
-<Control xmlns="http://schemas.microsoft.com/VisualStudio/2011/storyboarding/control">
-  <Id Name="a2191c86-fc50-4add-948c-129f6b5a88d8" Revision="1" Stencil="7276b9ef-3953-4dce-a89b-ed85f20b8b93" StencilVersion="1.0"/>
-</Control>
-</file>
-
-<file path=customXml/item3.xml><?xml version="1.0" encoding="utf-8"?>
-<Control xmlns="http://schemas.microsoft.com/VisualStudio/2011/storyboarding/control">
-  <Id Name="a53d73d2-368b-429e-b817-1324eec1382c" Revision="1" Stencil="7276b9ef-3953-4dce-a89b-ed85f20b8b93" StencilVersion="1.0"/>
-</Control>
-</file>
-
-<file path=customXml/item30.xml><?xml version="1.0" encoding="utf-8"?>
-<Control xmlns="http://schemas.microsoft.com/VisualStudio/2011/storyboarding/control">
-  <Id Name="d69996e1-3d61-4686-9b63-f1b855c596ab" Revision="1" Stencil="7276b9ef-3953-4dce-a89b-ed85f20b8b93" StencilVersion="1.0"/>
-</Control>
-</file>
-
-<file path=customXml/item31.xml><?xml version="1.0" encoding="utf-8"?>
-<Control xmlns="http://schemas.microsoft.com/VisualStudio/2011/storyboarding/control">
-  <Id Name="a53d73d2-368b-429e-b817-1324eec1382c" Revision="1" Stencil="7276b9ef-3953-4dce-a89b-ed85f20b8b93" StencilVersion="1.0"/>
-</Control>
-</file>
-
-<file path=customXml/item32.xml><?xml version="1.0" encoding="utf-8"?>
-<Control xmlns="http://schemas.microsoft.com/VisualStudio/2011/storyboarding/control">
-  <Id Name="a2191c86-fc50-4add-948c-129f6b5a88d8" Revision="1" Stencil="7276b9ef-3953-4dce-a89b-ed85f20b8b93" StencilVersion="1.0"/>
-</Control>
-</file>
-
-<file path=customXml/item33.xml><?xml version="1.0" encoding="utf-8"?>
-<Control xmlns="http://schemas.microsoft.com/VisualStudio/2011/storyboarding/control">
-  <Id Name="a2191c86-fc50-4add-948c-129f6b5a88d8" Revision="1" Stencil="7276b9ef-3953-4dce-a89b-ed85f20b8b93" StencilVersion="1.0"/>
-</Control>
-</file>
-
-<file path=customXml/item4.xml><?xml version="1.0" encoding="utf-8"?>
-<Control xmlns="http://schemas.microsoft.com/VisualStudio/2011/storyboarding/control">
-  <Id Name="d69996e1-3d61-4686-9b63-f1b855c596ab" Revision="1" Stencil="7276b9ef-3953-4dce-a89b-ed85f20b8b93" StencilVersion="1.0"/>
-</Control>
-</file>
-
-<file path=customXml/item5.xml><?xml version="1.0" encoding="utf-8"?>
-<Control xmlns="http://schemas.microsoft.com/VisualStudio/2011/storyboarding/control">
-  <Id Name="a53d73d2-368b-429e-b817-1324eec1382c" Revision="1" Stencil="7276b9ef-3953-4dce-a89b-ed85f20b8b93" StencilVersion="1.0"/>
-</Control>
-</file>
-
-<file path=customXml/item6.xml><?xml version="1.0" encoding="utf-8"?>
-<Control xmlns="http://schemas.microsoft.com/VisualStudio/2011/storyboarding/control">
-  <Id Name="a2191c86-fc50-4add-948c-129f6b5a88d8" Revision="1" Stencil="7276b9ef-3953-4dce-a89b-ed85f20b8b93" StencilVersion="1.0"/>
-</Control>
-</file>
-
-<file path=customXml/item7.xml><?xml version="1.0" encoding="utf-8"?>
-<Control xmlns="http://schemas.microsoft.com/VisualStudio/2011/storyboarding/control">
-  <Id Name="d69996e1-3d61-4686-9b63-f1b855c596ab" Revision="1" Stencil="7276b9ef-3953-4dce-a89b-ed85f20b8b93" StencilVersion="1.0"/>
-</Control>
-</file>
-
-<file path=customXml/item8.xml><?xml version="1.0" encoding="utf-8"?>
-<Control xmlns="http://schemas.microsoft.com/VisualStudio/2011/storyboarding/control">
-  <Id Name="d69996e1-3d61-4686-9b63-f1b855c596ab" Revision="1" Stencil="7276b9ef-3953-4dce-a89b-ed85f20b8b93" StencilVersion="1.0"/>
 </Control>
 </file>
 
@@ -44905,6 +45016,46 @@
 </file>
 
 <file path=customXml/itemProps1.xml><?xml version="1.0" encoding="utf-8"?>
+<ds:datastoreItem xmlns:ds="http://schemas.openxmlformats.org/officeDocument/2006/customXml" ds:itemID="{4E8278DB-3CDD-48A7-992E-A7596AD335B9}">
+  <ds:schemaRefs>
+    <ds:schemaRef ds:uri="http://schemas.microsoft.com/VisualStudio/2011/storyboarding/control"/>
+  </ds:schemaRefs>
+</ds:datastoreItem>
+</file>
+
+<file path=customXml/itemProps10.xml><?xml version="1.0" encoding="utf-8"?>
+<ds:datastoreItem xmlns:ds="http://schemas.openxmlformats.org/officeDocument/2006/customXml" ds:itemID="{432851C6-BC05-4673-B853-6D08AB80CDC4}">
+  <ds:schemaRefs>
+    <ds:schemaRef ds:uri="http://schemas.microsoft.com/VisualStudio/2011/storyboarding/control"/>
+  </ds:schemaRefs>
+</ds:datastoreItem>
+</file>
+
+<file path=customXml/itemProps11.xml><?xml version="1.0" encoding="utf-8"?>
+<ds:datastoreItem xmlns:ds="http://schemas.openxmlformats.org/officeDocument/2006/customXml" ds:itemID="{B5105A87-47B6-44F6-97FD-4619C0556604}">
+  <ds:schemaRefs>
+    <ds:schemaRef ds:uri="http://schemas.microsoft.com/VisualStudio/2011/storyboarding/control"/>
+  </ds:schemaRefs>
+</ds:datastoreItem>
+</file>
+
+<file path=customXml/itemProps12.xml><?xml version="1.0" encoding="utf-8"?>
+<ds:datastoreItem xmlns:ds="http://schemas.openxmlformats.org/officeDocument/2006/customXml" ds:itemID="{ED350DFE-2319-4AB0-BC96-1D36D125365A}">
+  <ds:schemaRefs>
+    <ds:schemaRef ds:uri="http://schemas.microsoft.com/VisualStudio/2011/storyboarding/control"/>
+  </ds:schemaRefs>
+</ds:datastoreItem>
+</file>
+
+<file path=customXml/itemProps13.xml><?xml version="1.0" encoding="utf-8"?>
+<ds:datastoreItem xmlns:ds="http://schemas.openxmlformats.org/officeDocument/2006/customXml" ds:itemID="{D4B5F268-5930-44CD-BDF1-D0A04D4BBC1C}">
+  <ds:schemaRefs>
+    <ds:schemaRef ds:uri="http://schemas.microsoft.com/VisualStudio/2011/storyboarding/control"/>
+  </ds:schemaRefs>
+</ds:datastoreItem>
+</file>
+
+<file path=customXml/itemProps14.xml><?xml version="1.0" encoding="utf-8"?>
 <ds:datastoreItem xmlns:ds="http://schemas.openxmlformats.org/officeDocument/2006/customXml" ds:itemID="{82DB428A-B8F8-483F-8276-095629A8ECDB}">
   <ds:schemaRefs>
     <ds:schemaRef ds:uri="http://schemas.microsoft.com/VisualStudio/2011/storyboarding/control"/>
@@ -44912,7 +45063,79 @@
 </ds:datastoreItem>
 </file>
 
-<file path=customXml/itemProps10.xml><?xml version="1.0" encoding="utf-8"?>
+<file path=customXml/itemProps15.xml><?xml version="1.0" encoding="utf-8"?>
+<ds:datastoreItem xmlns:ds="http://schemas.openxmlformats.org/officeDocument/2006/customXml" ds:itemID="{3C954CC5-1CAC-4EC3-9791-8630483065B9}">
+  <ds:schemaRefs>
+    <ds:schemaRef ds:uri="http://schemas.microsoft.com/VisualStudio/2011/storyboarding/control"/>
+  </ds:schemaRefs>
+</ds:datastoreItem>
+</file>
+
+<file path=customXml/itemProps16.xml><?xml version="1.0" encoding="utf-8"?>
+<ds:datastoreItem xmlns:ds="http://schemas.openxmlformats.org/officeDocument/2006/customXml" ds:itemID="{758FDAC0-319D-4A54-8D8E-1D42CB1F8004}">
+  <ds:schemaRefs>
+    <ds:schemaRef ds:uri="http://schemas.microsoft.com/sharepoint/v3/contenttype/forms"/>
+  </ds:schemaRefs>
+</ds:datastoreItem>
+</file>
+
+<file path=customXml/itemProps17.xml><?xml version="1.0" encoding="utf-8"?>
+<ds:datastoreItem xmlns:ds="http://schemas.openxmlformats.org/officeDocument/2006/customXml" ds:itemID="{D6FEE829-2115-45B4-8110-670FD454542B}">
+  <ds:schemaRefs>
+    <ds:schemaRef ds:uri="http://schemas.microsoft.com/VisualStudio/2011/storyboarding/control"/>
+  </ds:schemaRefs>
+</ds:datastoreItem>
+</file>
+
+<file path=customXml/itemProps18.xml><?xml version="1.0" encoding="utf-8"?>
+<ds:datastoreItem xmlns:ds="http://schemas.openxmlformats.org/officeDocument/2006/customXml" ds:itemID="{8BD595CA-AC5E-43B9-B966-E468A16E8322}">
+  <ds:schemaRefs>
+    <ds:schemaRef ds:uri="http://schemas.microsoft.com/VisualStudio/2011/storyboarding/control"/>
+  </ds:schemaRefs>
+</ds:datastoreItem>
+</file>
+
+<file path=customXml/itemProps19.xml><?xml version="1.0" encoding="utf-8"?>
+<ds:datastoreItem xmlns:ds="http://schemas.openxmlformats.org/officeDocument/2006/customXml" ds:itemID="{4E805D65-1532-4BB0-8F41-8013167C0009}">
+  <ds:schemaRefs>
+    <ds:schemaRef ds:uri="http://schemas.microsoft.com/VisualStudio/2011/storyboarding/control"/>
+  </ds:schemaRefs>
+</ds:datastoreItem>
+</file>
+
+<file path=customXml/itemProps2.xml><?xml version="1.0" encoding="utf-8"?>
+<ds:datastoreItem xmlns:ds="http://schemas.openxmlformats.org/officeDocument/2006/customXml" ds:itemID="{38217AA1-CC95-49A9-B284-2ED4D347D7CA}">
+  <ds:schemaRefs>
+    <ds:schemaRef ds:uri="http://schemas.microsoft.com/VisualStudio/2011/storyboarding/control"/>
+  </ds:schemaRefs>
+</ds:datastoreItem>
+</file>
+
+<file path=customXml/itemProps20.xml><?xml version="1.0" encoding="utf-8"?>
+<ds:datastoreItem xmlns:ds="http://schemas.openxmlformats.org/officeDocument/2006/customXml" ds:itemID="{4C1B3C27-4803-4D72-A3F8-6668A3F0A24B}">
+  <ds:schemaRefs>
+    <ds:schemaRef ds:uri="http://schemas.microsoft.com/VisualStudio/2011/storyboarding/control"/>
+  </ds:schemaRefs>
+</ds:datastoreItem>
+</file>
+
+<file path=customXml/itemProps21.xml><?xml version="1.0" encoding="utf-8"?>
+<ds:datastoreItem xmlns:ds="http://schemas.openxmlformats.org/officeDocument/2006/customXml" ds:itemID="{F68D8396-E21C-4AFF-8FDD-70D00673D0EE}">
+  <ds:schemaRefs>
+    <ds:schemaRef ds:uri="http://schemas.microsoft.com/VisualStudio/2011/storyboarding/control"/>
+  </ds:schemaRefs>
+</ds:datastoreItem>
+</file>
+
+<file path=customXml/itemProps22.xml><?xml version="1.0" encoding="utf-8"?>
+<ds:datastoreItem xmlns:ds="http://schemas.openxmlformats.org/officeDocument/2006/customXml" ds:itemID="{8893E80D-6D0C-4E0F-AA22-E5615BB87E5B}">
+  <ds:schemaRefs>
+    <ds:schemaRef ds:uri="http://schemas.microsoft.com/VisualStudio/2011/storyboarding/control"/>
+  </ds:schemaRefs>
+</ds:datastoreItem>
+</file>
+
+<file path=customXml/itemProps23.xml><?xml version="1.0" encoding="utf-8"?>
 <ds:datastoreItem xmlns:ds="http://schemas.openxmlformats.org/officeDocument/2006/customXml" ds:itemID="{42D603BF-B513-4201-A599-21BA0F4FFC40}">
   <ds:schemaRefs>
     <ds:schemaRef ds:uri="http://schemas.microsoft.com/VisualStudio/2011/storyboarding/control"/>
@@ -44920,15 +45143,111 @@
 </ds:datastoreItem>
 </file>
 
-<file path=customXml/itemProps11.xml><?xml version="1.0" encoding="utf-8"?>
-<ds:datastoreItem xmlns:ds="http://schemas.openxmlformats.org/officeDocument/2006/customXml" ds:itemID="{758FDAC0-319D-4A54-8D8E-1D42CB1F8004}">
+<file path=customXml/itemProps24.xml><?xml version="1.0" encoding="utf-8"?>
+<ds:datastoreItem xmlns:ds="http://schemas.openxmlformats.org/officeDocument/2006/customXml" ds:itemID="{376216F9-AF6B-4844-AE8C-B9F953F916AB}">
   <ds:schemaRefs>
-    <ds:schemaRef ds:uri="http://schemas.microsoft.com/sharepoint/v3/contenttype/forms"/>
+    <ds:schemaRef ds:uri="http://schemas.microsoft.com/VisualStudio/2011/storyboarding/control"/>
   </ds:schemaRefs>
 </ds:datastoreItem>
 </file>
 
-<file path=customXml/itemProps12.xml><?xml version="1.0" encoding="utf-8"?>
+<file path=customXml/itemProps25.xml><?xml version="1.0" encoding="utf-8"?>
+<ds:datastoreItem xmlns:ds="http://schemas.openxmlformats.org/officeDocument/2006/customXml" ds:itemID="{21F6B647-976A-41D0-B760-9DF9DFC6AE3C}">
+  <ds:schemaRefs>
+    <ds:schemaRef ds:uri="http://schemas.microsoft.com/VisualStudio/2011/storyboarding/control"/>
+  </ds:schemaRefs>
+</ds:datastoreItem>
+</file>
+
+<file path=customXml/itemProps26.xml><?xml version="1.0" encoding="utf-8"?>
+<ds:datastoreItem xmlns:ds="http://schemas.openxmlformats.org/officeDocument/2006/customXml" ds:itemID="{C0F92A87-A216-45A9-B9C0-0515663D35BF}">
+  <ds:schemaRefs>
+    <ds:schemaRef ds:uri="http://schemas.microsoft.com/VisualStudio/2011/storyboarding/control"/>
+  </ds:schemaRefs>
+</ds:datastoreItem>
+</file>
+
+<file path=customXml/itemProps27.xml><?xml version="1.0" encoding="utf-8"?>
+<ds:datastoreItem xmlns:ds="http://schemas.openxmlformats.org/officeDocument/2006/customXml" ds:itemID="{0B54C583-7BAB-4080-8093-C5F84F5A225A}">
+  <ds:schemaRefs>
+    <ds:schemaRef ds:uri="http://schemas.microsoft.com/VisualStudio/2011/storyboarding/control"/>
+  </ds:schemaRefs>
+</ds:datastoreItem>
+</file>
+
+<file path=customXml/itemProps28.xml><?xml version="1.0" encoding="utf-8"?>
+<ds:datastoreItem xmlns:ds="http://schemas.openxmlformats.org/officeDocument/2006/customXml" ds:itemID="{C63AC2F0-1DEB-4E91-A88A-7A014A172F4F}">
+  <ds:schemaRefs>
+    <ds:schemaRef ds:uri="http://schemas.microsoft.com/VisualStudio/2011/storyboarding/control"/>
+  </ds:schemaRefs>
+</ds:datastoreItem>
+</file>
+
+<file path=customXml/itemProps29.xml><?xml version="1.0" encoding="utf-8"?>
+<ds:datastoreItem xmlns:ds="http://schemas.openxmlformats.org/officeDocument/2006/customXml" ds:itemID="{67213E6F-7B96-4222-888B-63710B06D885}">
+  <ds:schemaRefs>
+    <ds:schemaRef ds:uri="http://schemas.microsoft.com/VisualStudio/2011/storyboarding/control"/>
+  </ds:schemaRefs>
+</ds:datastoreItem>
+</file>
+
+<file path=customXml/itemProps3.xml><?xml version="1.0" encoding="utf-8"?>
+<ds:datastoreItem xmlns:ds="http://schemas.openxmlformats.org/officeDocument/2006/customXml" ds:itemID="{6FB9D450-4C47-4A44-8C0D-C78D8A54C46F}">
+  <ds:schemaRefs>
+    <ds:schemaRef ds:uri="http://schemas.microsoft.com/VisualStudio/2011/storyboarding/control"/>
+  </ds:schemaRefs>
+</ds:datastoreItem>
+</file>
+
+<file path=customXml/itemProps30.xml><?xml version="1.0" encoding="utf-8"?>
+<ds:datastoreItem xmlns:ds="http://schemas.openxmlformats.org/officeDocument/2006/customXml" ds:itemID="{08C4EE12-DF69-4FFC-9E40-C7991F3490A6}">
+  <ds:schemaRefs>
+    <ds:schemaRef ds:uri="http://schemas.microsoft.com/VisualStudio/2011/storyboarding/control"/>
+  </ds:schemaRefs>
+</ds:datastoreItem>
+</file>
+
+<file path=customXml/itemProps31.xml><?xml version="1.0" encoding="utf-8"?>
+<ds:datastoreItem xmlns:ds="http://schemas.openxmlformats.org/officeDocument/2006/customXml" ds:itemID="{366CA990-F93D-4100-9654-65D9E30F4E1C}">
+  <ds:schemaRefs>
+    <ds:schemaRef ds:uri="http://schemas.microsoft.com/VisualStudio/2011/storyboarding/control"/>
+  </ds:schemaRefs>
+</ds:datastoreItem>
+</file>
+
+<file path=customXml/itemProps32.xml><?xml version="1.0" encoding="utf-8"?>
+<ds:datastoreItem xmlns:ds="http://schemas.openxmlformats.org/officeDocument/2006/customXml" ds:itemID="{3DC6CABD-46E1-4C27-A0B3-616DC56F8E5C}">
+  <ds:schemaRefs>
+    <ds:schemaRef ds:uri="http://schemas.microsoft.com/VisualStudio/2011/storyboarding/control"/>
+  </ds:schemaRefs>
+</ds:datastoreItem>
+</file>
+
+<file path=customXml/itemProps33.xml><?xml version="1.0" encoding="utf-8"?>
+<ds:datastoreItem xmlns:ds="http://schemas.openxmlformats.org/officeDocument/2006/customXml" ds:itemID="{FE651ABA-5DC1-4ABD-A06E-055AE54B337B}">
+  <ds:schemaRefs>
+    <ds:schemaRef ds:uri="http://schemas.microsoft.com/VisualStudio/2011/storyboarding/control"/>
+  </ds:schemaRefs>
+</ds:datastoreItem>
+</file>
+
+<file path=customXml/itemProps4.xml><?xml version="1.0" encoding="utf-8"?>
+<ds:datastoreItem xmlns:ds="http://schemas.openxmlformats.org/officeDocument/2006/customXml" ds:itemID="{7959CC6A-F423-4783-B968-3BCC86A7394E}">
+  <ds:schemaRefs>
+    <ds:schemaRef ds:uri="http://schemas.microsoft.com/VisualStudio/2011/storyboarding/control"/>
+  </ds:schemaRefs>
+</ds:datastoreItem>
+</file>
+
+<file path=customXml/itemProps5.xml><?xml version="1.0" encoding="utf-8"?>
+<ds:datastoreItem xmlns:ds="http://schemas.openxmlformats.org/officeDocument/2006/customXml" ds:itemID="{0282FB20-2D4C-459D-8468-77D1D3C6925D}">
+  <ds:schemaRefs>
+    <ds:schemaRef ds:uri="http://schemas.microsoft.com/VisualStudio/2011/storyboarding/control"/>
+  </ds:schemaRefs>
+</ds:datastoreItem>
+</file>
+
+<file path=customXml/itemProps6.xml><?xml version="1.0" encoding="utf-8"?>
 <ds:datastoreItem xmlns:ds="http://schemas.openxmlformats.org/officeDocument/2006/customXml" ds:itemID="{11F98F69-7518-4AE2-AE7B-E037DC9DDC97}">
   <ds:schemaRefs>
     <ds:schemaRef ds:uri="http://schemas.microsoft.com/office/2006/metadata/contentType"/>
@@ -44946,39 +45265,7 @@
 </ds:datastoreItem>
 </file>
 
-<file path=customXml/itemProps13.xml><?xml version="1.0" encoding="utf-8"?>
-<ds:datastoreItem xmlns:ds="http://schemas.openxmlformats.org/officeDocument/2006/customXml" ds:itemID="{FE651ABA-5DC1-4ABD-A06E-055AE54B337B}">
-  <ds:schemaRefs>
-    <ds:schemaRef ds:uri="http://schemas.microsoft.com/VisualStudio/2011/storyboarding/control"/>
-  </ds:schemaRefs>
-</ds:datastoreItem>
-</file>
-
-<file path=customXml/itemProps14.xml><?xml version="1.0" encoding="utf-8"?>
-<ds:datastoreItem xmlns:ds="http://schemas.openxmlformats.org/officeDocument/2006/customXml" ds:itemID="{C63AC2F0-1DEB-4E91-A88A-7A014A172F4F}">
-  <ds:schemaRefs>
-    <ds:schemaRef ds:uri="http://schemas.microsoft.com/VisualStudio/2011/storyboarding/control"/>
-  </ds:schemaRefs>
-</ds:datastoreItem>
-</file>
-
-<file path=customXml/itemProps15.xml><?xml version="1.0" encoding="utf-8"?>
-<ds:datastoreItem xmlns:ds="http://schemas.openxmlformats.org/officeDocument/2006/customXml" ds:itemID="{4C1B3C27-4803-4D72-A3F8-6668A3F0A24B}">
-  <ds:schemaRefs>
-    <ds:schemaRef ds:uri="http://schemas.microsoft.com/VisualStudio/2011/storyboarding/control"/>
-  </ds:schemaRefs>
-</ds:datastoreItem>
-</file>
-
-<file path=customXml/itemProps16.xml><?xml version="1.0" encoding="utf-8"?>
-<ds:datastoreItem xmlns:ds="http://schemas.openxmlformats.org/officeDocument/2006/customXml" ds:itemID="{B5105A87-47B6-44F6-97FD-4619C0556604}">
-  <ds:schemaRefs>
-    <ds:schemaRef ds:uri="http://schemas.microsoft.com/VisualStudio/2011/storyboarding/control"/>
-  </ds:schemaRefs>
-</ds:datastoreItem>
-</file>
-
-<file path=customXml/itemProps17.xml><?xml version="1.0" encoding="utf-8"?>
+<file path=customXml/itemProps7.xml><?xml version="1.0" encoding="utf-8"?>
 <ds:datastoreItem xmlns:ds="http://schemas.openxmlformats.org/officeDocument/2006/customXml" ds:itemID="{F990F116-B58F-4255-B05B-DA3808E0E5C6}">
   <ds:schemaRefs>
     <ds:schemaRef ds:uri="83cd2334-221a-48c3-9034-bfd1542dfe28"/>
@@ -44994,71 +45281,7 @@
 </ds:datastoreItem>
 </file>
 
-<file path=customXml/itemProps18.xml><?xml version="1.0" encoding="utf-8"?>
-<ds:datastoreItem xmlns:ds="http://schemas.openxmlformats.org/officeDocument/2006/customXml" ds:itemID="{4E8278DB-3CDD-48A7-992E-A7596AD335B9}">
-  <ds:schemaRefs>
-    <ds:schemaRef ds:uri="http://schemas.microsoft.com/VisualStudio/2011/storyboarding/control"/>
-  </ds:schemaRefs>
-</ds:datastoreItem>
-</file>
-
-<file path=customXml/itemProps19.xml><?xml version="1.0" encoding="utf-8"?>
-<ds:datastoreItem xmlns:ds="http://schemas.openxmlformats.org/officeDocument/2006/customXml" ds:itemID="{376216F9-AF6B-4844-AE8C-B9F953F916AB}">
-  <ds:schemaRefs>
-    <ds:schemaRef ds:uri="http://schemas.microsoft.com/VisualStudio/2011/storyboarding/control"/>
-  </ds:schemaRefs>
-</ds:datastoreItem>
-</file>
-
-<file path=customXml/itemProps2.xml><?xml version="1.0" encoding="utf-8"?>
-<ds:datastoreItem xmlns:ds="http://schemas.openxmlformats.org/officeDocument/2006/customXml" ds:itemID="{432851C6-BC05-4673-B853-6D08AB80CDC4}">
-  <ds:schemaRefs>
-    <ds:schemaRef ds:uri="http://schemas.microsoft.com/VisualStudio/2011/storyboarding/control"/>
-  </ds:schemaRefs>
-</ds:datastoreItem>
-</file>
-
-<file path=customXml/itemProps20.xml><?xml version="1.0" encoding="utf-8"?>
-<ds:datastoreItem xmlns:ds="http://schemas.openxmlformats.org/officeDocument/2006/customXml" ds:itemID="{ED350DFE-2319-4AB0-BC96-1D36D125365A}">
-  <ds:schemaRefs>
-    <ds:schemaRef ds:uri="http://schemas.microsoft.com/VisualStudio/2011/storyboarding/control"/>
-  </ds:schemaRefs>
-</ds:datastoreItem>
-</file>
-
-<file path=customXml/itemProps21.xml><?xml version="1.0" encoding="utf-8"?>
-<ds:datastoreItem xmlns:ds="http://schemas.openxmlformats.org/officeDocument/2006/customXml" ds:itemID="{7959CC6A-F423-4783-B968-3BCC86A7394E}">
-  <ds:schemaRefs>
-    <ds:schemaRef ds:uri="http://schemas.microsoft.com/VisualStudio/2011/storyboarding/control"/>
-  </ds:schemaRefs>
-</ds:datastoreItem>
-</file>
-
-<file path=customXml/itemProps22.xml><?xml version="1.0" encoding="utf-8"?>
-<ds:datastoreItem xmlns:ds="http://schemas.openxmlformats.org/officeDocument/2006/customXml" ds:itemID="{67213E6F-7B96-4222-888B-63710B06D885}">
-  <ds:schemaRefs>
-    <ds:schemaRef ds:uri="http://schemas.microsoft.com/VisualStudio/2011/storyboarding/control"/>
-  </ds:schemaRefs>
-</ds:datastoreItem>
-</file>
-
-<file path=customXml/itemProps23.xml><?xml version="1.0" encoding="utf-8"?>
-<ds:datastoreItem xmlns:ds="http://schemas.openxmlformats.org/officeDocument/2006/customXml" ds:itemID="{F68D8396-E21C-4AFF-8FDD-70D00673D0EE}">
-  <ds:schemaRefs>
-    <ds:schemaRef ds:uri="http://schemas.microsoft.com/VisualStudio/2011/storyboarding/control"/>
-  </ds:schemaRefs>
-</ds:datastoreItem>
-</file>
-
-<file path=customXml/itemProps24.xml><?xml version="1.0" encoding="utf-8"?>
-<ds:datastoreItem xmlns:ds="http://schemas.openxmlformats.org/officeDocument/2006/customXml" ds:itemID="{D6FEE829-2115-45B4-8110-670FD454542B}">
-  <ds:schemaRefs>
-    <ds:schemaRef ds:uri="http://schemas.microsoft.com/VisualStudio/2011/storyboarding/control"/>
-  </ds:schemaRefs>
-</ds:datastoreItem>
-</file>
-
-<file path=customXml/itemProps25.xml><?xml version="1.0" encoding="utf-8"?>
+<file path=customXml/itemProps8.xml><?xml version="1.0" encoding="utf-8"?>
 <ds:datastoreItem xmlns:ds="http://schemas.openxmlformats.org/officeDocument/2006/customXml" ds:itemID="{8257D6BC-B71E-4D95-81E4-A1D4A8174168}">
   <ds:schemaRefs>
     <ds:schemaRef ds:uri="http://schemas.microsoft.com/VisualStudio/2011/storyboarding/control"/>
@@ -45066,122 +45289,10 @@
 </ds:datastoreItem>
 </file>
 
-<file path=customXml/itemProps26.xml><?xml version="1.0" encoding="utf-8"?>
-<ds:datastoreItem xmlns:ds="http://schemas.openxmlformats.org/officeDocument/2006/customXml" ds:itemID="{38217AA1-CC95-49A9-B284-2ED4D347D7CA}">
-  <ds:schemaRefs>
-    <ds:schemaRef ds:uri="http://schemas.microsoft.com/VisualStudio/2011/storyboarding/control"/>
-  </ds:schemaRefs>
-</ds:datastoreItem>
-</file>
-
-<file path=customXml/itemProps27.xml><?xml version="1.0" encoding="utf-8"?>
-<ds:datastoreItem xmlns:ds="http://schemas.openxmlformats.org/officeDocument/2006/customXml" ds:itemID="{08C4EE12-DF69-4FFC-9E40-C7991F3490A6}">
-  <ds:schemaRefs>
-    <ds:schemaRef ds:uri="http://schemas.microsoft.com/VisualStudio/2011/storyboarding/control"/>
-  </ds:schemaRefs>
-</ds:datastoreItem>
-</file>
-
-<file path=customXml/itemProps28.xml><?xml version="1.0" encoding="utf-8"?>
-<ds:datastoreItem xmlns:ds="http://schemas.openxmlformats.org/officeDocument/2006/customXml" ds:itemID="{8893E80D-6D0C-4E0F-AA22-E5615BB87E5B}">
-  <ds:schemaRefs>
-    <ds:schemaRef ds:uri="http://schemas.microsoft.com/VisualStudio/2011/storyboarding/control"/>
-  </ds:schemaRefs>
-</ds:datastoreItem>
-</file>
-
-<file path=customXml/itemProps29.xml><?xml version="1.0" encoding="utf-8"?>
-<ds:datastoreItem xmlns:ds="http://schemas.openxmlformats.org/officeDocument/2006/customXml" ds:itemID="{D4B5F268-5930-44CD-BDF1-D0A04D4BBC1C}">
-  <ds:schemaRefs>
-    <ds:schemaRef ds:uri="http://schemas.microsoft.com/VisualStudio/2011/storyboarding/control"/>
-  </ds:schemaRefs>
-</ds:datastoreItem>
-</file>
-
-<file path=customXml/itemProps3.xml><?xml version="1.0" encoding="utf-8"?>
-<ds:datastoreItem xmlns:ds="http://schemas.openxmlformats.org/officeDocument/2006/customXml" ds:itemID="{6FB9D450-4C47-4A44-8C0D-C78D8A54C46F}">
-  <ds:schemaRefs>
-    <ds:schemaRef ds:uri="http://schemas.microsoft.com/VisualStudio/2011/storyboarding/control"/>
-  </ds:schemaRefs>
-</ds:datastoreItem>
-</file>
-
-<file path=customXml/itemProps30.xml><?xml version="1.0" encoding="utf-8"?>
-<ds:datastoreItem xmlns:ds="http://schemas.openxmlformats.org/officeDocument/2006/customXml" ds:itemID="{366CA990-F93D-4100-9654-65D9E30F4E1C}">
-  <ds:schemaRefs>
-    <ds:schemaRef ds:uri="http://schemas.microsoft.com/VisualStudio/2011/storyboarding/control"/>
-  </ds:schemaRefs>
-</ds:datastoreItem>
-</file>
-
-<file path=customXml/itemProps31.xml><?xml version="1.0" encoding="utf-8"?>
-<ds:datastoreItem xmlns:ds="http://schemas.openxmlformats.org/officeDocument/2006/customXml" ds:itemID="{21F6B647-976A-41D0-B760-9DF9DFC6AE3C}">
-  <ds:schemaRefs>
-    <ds:schemaRef ds:uri="http://schemas.microsoft.com/VisualStudio/2011/storyboarding/control"/>
-  </ds:schemaRefs>
-</ds:datastoreItem>
-</file>
-
-<file path=customXml/itemProps32.xml><?xml version="1.0" encoding="utf-8"?>
-<ds:datastoreItem xmlns:ds="http://schemas.openxmlformats.org/officeDocument/2006/customXml" ds:itemID="{8BD595CA-AC5E-43B9-B966-E468A16E8322}">
-  <ds:schemaRefs>
-    <ds:schemaRef ds:uri="http://schemas.microsoft.com/VisualStudio/2011/storyboarding/control"/>
-  </ds:schemaRefs>
-</ds:datastoreItem>
-</file>
-
-<file path=customXml/itemProps33.xml><?xml version="1.0" encoding="utf-8"?>
+<file path=customXml/itemProps9.xml><?xml version="1.0" encoding="utf-8"?>
 <ds:datastoreItem xmlns:ds="http://schemas.openxmlformats.org/officeDocument/2006/customXml" ds:itemID="{4B16F4FE-7C26-4443-B426-81998D23ED87}">
   <ds:schemaRefs>
     <ds:schemaRef ds:uri="http://schemas.microsoft.com/VisualStudio/2011/storyboarding/control"/>
   </ds:schemaRefs>
 </ds:datastoreItem>
-</file>
-
-<file path=customXml/itemProps4.xml><?xml version="1.0" encoding="utf-8"?>
-<ds:datastoreItem xmlns:ds="http://schemas.openxmlformats.org/officeDocument/2006/customXml" ds:itemID="{C0F92A87-A216-45A9-B9C0-0515663D35BF}">
-  <ds:schemaRefs>
-    <ds:schemaRef ds:uri="http://schemas.microsoft.com/VisualStudio/2011/storyboarding/control"/>
-  </ds:schemaRefs>
-</ds:datastoreItem>
-</file>
-
-<file path=customXml/itemProps5.xml><?xml version="1.0" encoding="utf-8"?>
-<ds:datastoreItem xmlns:ds="http://schemas.openxmlformats.org/officeDocument/2006/customXml" ds:itemID="{4E805D65-1532-4BB0-8F41-8013167C0009}">
-  <ds:schemaRefs>
-    <ds:schemaRef ds:uri="http://schemas.microsoft.com/VisualStudio/2011/storyboarding/control"/>
-  </ds:schemaRefs>
-</ds:datastoreItem>
-</file>
-
-<file path=customXml/itemProps6.xml><?xml version="1.0" encoding="utf-8"?>
-<ds:datastoreItem xmlns:ds="http://schemas.openxmlformats.org/officeDocument/2006/customXml" ds:itemID="{3C954CC5-1CAC-4EC3-9791-8630483065B9}">
-  <ds:schemaRefs>
-    <ds:schemaRef ds:uri="http://schemas.microsoft.com/VisualStudio/2011/storyboarding/control"/>
-  </ds:schemaRefs>
-</ds:datastoreItem>
-</file>
-
-<file path=customXml/itemProps7.xml><?xml version="1.0" encoding="utf-8"?>
-<ds:datastoreItem xmlns:ds="http://schemas.openxmlformats.org/officeDocument/2006/customXml" ds:itemID="{0282FB20-2D4C-459D-8468-77D1D3C6925D}">
-  <ds:schemaRefs>
-    <ds:schemaRef ds:uri="http://schemas.microsoft.com/VisualStudio/2011/storyboarding/control"/>
-  </ds:schemaRefs>
-</ds:datastoreItem>
-</file>
-
-<file path=customXml/itemProps8.xml><?xml version="1.0" encoding="utf-8"?>
-<ds:datastoreItem xmlns:ds="http://schemas.openxmlformats.org/officeDocument/2006/customXml" ds:itemID="{3DC6CABD-46E1-4C27-A0B3-616DC56F8E5C}">
-  <ds:schemaRefs>
-    <ds:schemaRef ds:uri="http://schemas.microsoft.com/VisualStudio/2011/storyboarding/control"/>
-  </ds:schemaRefs>
-</ds:datastoreItem>
-</file>
-
-<file path=customXml/itemProps9.xml><?xml version="1.0" encoding="utf-8"?>
-<ds:datastoreItem xmlns:ds="http://schemas.openxmlformats.org/officeDocument/2006/customXml" ds:itemID="{0B54C583-7BAB-4080-8093-C5F84F5A225A}">
-  <ds:schemaRefs>
-    <ds:schemaRef ds:uri="http://schemas.microsoft.com/VisualStudio/2011/storyboarding/control"/>
-  </ds:schemaRefs>
-</ds:datastoreItem>
 </file>
--- a/Slides/8 - Backchannel.pptx
+++ b/Slides/8 - Backchannel.pptx
@@ -281,7 +281,7 @@
               <a:rPr lang="en-US" smtClean="0">
                 <a:latin typeface="Segoe UI" pitchFamily="34" charset="0"/>
               </a:rPr>
-              <a:t>6/12/2017 8:42 AM</a:t>
+              <a:t>6/13/2017 9:50 AM</a:t>
             </a:fld>
             <a:endParaRPr lang="en-US" dirty="0">
               <a:latin typeface="Segoe UI" pitchFamily="34" charset="0"/>
@@ -559,7 +559,7 @@
           <a:p>
             <a:fld id="{38EEC551-8CDA-4EB6-89BB-2A86C9F091C8}" type="datetime8">
               <a:rPr lang="en-US" smtClean="0"/>
-              <a:t>6/12/2017 8:42 AM</a:t>
+              <a:t>6/13/2017 9:49 AM</a:t>
             </a:fld>
             <a:endParaRPr lang="en-US" dirty="0"/>
           </a:p>
@@ -39712,7 +39712,7 @@
         <p:spPr>
           <a:xfrm>
             <a:off x="365760" y="1834626"/>
-            <a:ext cx="11704320" cy="2452979"/>
+            <a:ext cx="11704320" cy="2917722"/>
           </a:xfrm>
         </p:spPr>
         <p:txBody>
@@ -39727,6 +39727,9 @@
               <a:rPr lang="en-US" dirty="0" err="1"/>
               <a:t>WebChat</a:t>
             </a:r>
+            <a:endParaRPr lang="en-US" dirty="0"/>
+          </a:p>
+          <a:p>
             <a:endParaRPr lang="en-US" dirty="0"/>
           </a:p>
           <a:p>
@@ -39878,7 +39881,7 @@
                                         <p:tgtEl>
                                           <p:spTgt spid="3">
                                             <p:txEl>
-                                              <p:pRg st="1" end="1"/>
+                                              <p:pRg st="2" end="2"/>
                                             </p:txEl>
                                           </p:spTgt>
                                         </p:tgtEl>
@@ -39896,7 +39899,7 @@
                                         <p:tgtEl>
                                           <p:spTgt spid="3">
                                             <p:txEl>
-                                              <p:pRg st="1" end="1"/>
+                                              <p:pRg st="2" end="2"/>
                                             </p:txEl>
                                           </p:spTgt>
                                         </p:tgtEl>
@@ -39939,7 +39942,7 @@
                                         <p:tgtEl>
                                           <p:spTgt spid="3">
                                             <p:txEl>
-                                              <p:pRg st="2" end="2"/>
+                                              <p:pRg st="3" end="3"/>
                                             </p:txEl>
                                           </p:spTgt>
                                         </p:tgtEl>
@@ -39957,7 +39960,7 @@
                                         <p:tgtEl>
                                           <p:spTgt spid="3">
                                             <p:txEl>
-                                              <p:pRg st="2" end="2"/>
+                                              <p:pRg st="3" end="3"/>
                                             </p:txEl>
                                           </p:spTgt>
                                         </p:tgtEl>
@@ -40000,7 +40003,7 @@
                                         <p:tgtEl>
                                           <p:spTgt spid="3">
                                             <p:txEl>
-                                              <p:pRg st="3" end="3"/>
+                                              <p:pRg st="4" end="4"/>
                                             </p:txEl>
                                           </p:spTgt>
                                         </p:tgtEl>
@@ -40018,7 +40021,7 @@
                                         <p:tgtEl>
                                           <p:spTgt spid="3">
                                             <p:txEl>
-                                              <p:pRg st="3" end="3"/>
+                                              <p:pRg st="4" end="4"/>
                                             </p:txEl>
                                           </p:spTgt>
                                         </p:tgtEl>
@@ -40061,7 +40064,7 @@
                                         <p:tgtEl>
                                           <p:spTgt spid="3">
                                             <p:txEl>
-                                              <p:pRg st="4" end="4"/>
+                                              <p:pRg st="5" end="5"/>
                                             </p:txEl>
                                           </p:spTgt>
                                         </p:tgtEl>
@@ -40079,7 +40082,7 @@
                                         <p:tgtEl>
                                           <p:spTgt spid="3">
                                             <p:txEl>
-                                              <p:pRg st="4" end="4"/>
+                                              <p:pRg st="5" end="5"/>
                                             </p:txEl>
                                           </p:spTgt>
                                         </p:tgtEl>
@@ -40104,7 +40107,7 @@
                                         <p:tgtEl>
                                           <p:spTgt spid="3">
                                             <p:txEl>
-                                              <p:pRg st="5" end="5"/>
+                                              <p:pRg st="6" end="6"/>
                                             </p:txEl>
                                           </p:spTgt>
                                         </p:tgtEl>
@@ -40122,7 +40125,7 @@
                                         <p:tgtEl>
                                           <p:spTgt spid="3">
                                             <p:txEl>
-                                              <p:pRg st="5" end="5"/>
+                                              <p:pRg st="6" end="6"/>
                                             </p:txEl>
                                           </p:spTgt>
                                         </p:tgtEl>
@@ -40399,7 +40402,7 @@
         <p:spPr>
           <a:xfrm>
             <a:off x="365760" y="1371600"/>
-            <a:ext cx="11704320" cy="2209836"/>
+            <a:ext cx="11704320" cy="3139321"/>
           </a:xfrm>
         </p:spPr>
         <p:txBody>
@@ -40408,7 +40411,7 @@
           <a:p>
             <a:r>
               <a:rPr lang="en-US" dirty="0"/>
-              <a:t>Direct Line</a:t>
+              <a:t>Uses Direct Line</a:t>
             </a:r>
           </a:p>
           <a:p>
@@ -40426,10 +40429,16 @@
             </a:r>
           </a:p>
           <a:p>
+            <a:endParaRPr lang="en-US" dirty="0"/>
+          </a:p>
+          <a:p>
             <a:r>
               <a:rPr lang="en-US" dirty="0"/>
               <a:t>Could use Direct Line to create your own channel</a:t>
             </a:r>
+          </a:p>
+          <a:p>
+            <a:endParaRPr lang="en-US" dirty="0"/>
           </a:p>
           <a:p>
             <a:r>
@@ -40635,7 +40644,7 @@
                                         <p:tgtEl>
                                           <p:spTgt spid="5">
                                             <p:txEl>
-                                              <p:pRg st="3" end="3"/>
+                                              <p:pRg st="4" end="4"/>
                                             </p:txEl>
                                           </p:spTgt>
                                         </p:tgtEl>
@@ -40653,7 +40662,7 @@
                                         <p:tgtEl>
                                           <p:spTgt spid="5">
                                             <p:txEl>
-                                              <p:pRg st="3" end="3"/>
+                                              <p:pRg st="4" end="4"/>
                                             </p:txEl>
                                           </p:spTgt>
                                         </p:tgtEl>
@@ -40696,7 +40705,7 @@
                                         <p:tgtEl>
                                           <p:spTgt spid="5">
                                             <p:txEl>
-                                              <p:pRg st="4" end="4"/>
+                                              <p:pRg st="6" end="6"/>
                                             </p:txEl>
                                           </p:spTgt>
                                         </p:tgtEl>
@@ -40714,7 +40723,7 @@
                                         <p:tgtEl>
                                           <p:spTgt spid="5">
                                             <p:txEl>
-                                              <p:pRg st="4" end="4"/>
+                                              <p:pRg st="6" end="6"/>
                                             </p:txEl>
                                           </p:spTgt>
                                         </p:tgtEl>
@@ -40846,7 +40855,7 @@
           <a:p>
             <a:r>
               <a:rPr lang="en-US" dirty="0"/>
-              <a:t>Not all channels and clients support all activities</a:t>
+              <a:t>Not all channels or clients support all activities</a:t>
             </a:r>
           </a:p>
         </p:txBody>
@@ -41547,7 +41556,7 @@
         </p:nvGrpSpPr>
         <p:grpSpPr>
           <a:xfrm>
-            <a:off x="607567" y="2049463"/>
+            <a:off x="607567" y="2125662"/>
             <a:ext cx="1419670" cy="2286000"/>
             <a:chOff x="5570165" y="2219380"/>
             <a:chExt cx="1728192" cy="2240041"/>
@@ -43002,8 +43011,8 @@
         </p:nvCxnSpPr>
         <p:spPr>
           <a:xfrm>
-            <a:off x="2103437" y="3196531"/>
-            <a:ext cx="3417739" cy="19349"/>
+            <a:off x="2027237" y="3192462"/>
+            <a:ext cx="3493939" cy="23418"/>
           </a:xfrm>
           <a:prstGeom prst="straightConnector1">
             <a:avLst/>
@@ -44656,14 +44665,17 @@
 
 <file path=customXml/item1.xml><?xml version="1.0" encoding="utf-8"?>
 <Control xmlns="http://schemas.microsoft.com/VisualStudio/2011/storyboarding/control">
-  <Id Name="fb22c541-ded0-47fa-8877-83a4c2d16227" Revision="1" Stencil="7276b9ef-3953-4dce-a89b-ed85f20b8b93" StencilVersion="1.0"/>
+  <Id Name="a2191c86-fc50-4add-948c-129f6b5a88d8" Revision="1" Stencil="7276b9ef-3953-4dce-a89b-ed85f20b8b93" StencilVersion="1.0"/>
 </Control>
 </file>
 
 <file path=customXml/item10.xml><?xml version="1.0" encoding="utf-8"?>
-<Control xmlns="http://schemas.microsoft.com/VisualStudio/2011/storyboarding/control">
-  <Id Name="fb22c541-ded0-47fa-8877-83a4c2d16227" Revision="1" Stencil="7276b9ef-3953-4dce-a89b-ed85f20b8b93" StencilVersion="1.0"/>
-</Control>
+<?mso-contentType ?>
+<FormTemplates xmlns="http://schemas.microsoft.com/sharepoint/v3/contenttype/forms">
+  <Display>DocumentLibraryForm</Display>
+  <Edit>DocumentLibraryForm</Edit>
+  <New>DocumentLibraryForm</New>
+</FormTemplates>
 </file>
 
 <file path=customXml/item11.xml><?xml version="1.0" encoding="utf-8"?>
@@ -44674,164 +44686,17 @@
 
 <file path=customXml/item12.xml><?xml version="1.0" encoding="utf-8"?>
 <Control xmlns="http://schemas.microsoft.com/VisualStudio/2011/storyboarding/control">
-  <Id Name="a53d73d2-368b-429e-b817-1324eec1382c" Revision="1" Stencil="7276b9ef-3953-4dce-a89b-ed85f20b8b93" StencilVersion="1.0"/>
+  <Id Name="d69996e1-3d61-4686-9b63-f1b855c596ab" Revision="1" Stencil="7276b9ef-3953-4dce-a89b-ed85f20b8b93" StencilVersion="1.0"/>
 </Control>
 </file>
 
 <file path=customXml/item13.xml><?xml version="1.0" encoding="utf-8"?>
 <Control xmlns="http://schemas.microsoft.com/VisualStudio/2011/storyboarding/control">
-  <Id Name="a2191c86-fc50-4add-948c-129f6b5a88d8" Revision="1" Stencil="7276b9ef-3953-4dce-a89b-ed85f20b8b93" StencilVersion="1.0"/>
+  <Id Name="fb22c541-ded0-47fa-8877-83a4c2d16227" Revision="1" Stencil="7276b9ef-3953-4dce-a89b-ed85f20b8b93" StencilVersion="1.0"/>
 </Control>
 </file>
 
 <file path=customXml/item14.xml><?xml version="1.0" encoding="utf-8"?>
-<Control xmlns="http://schemas.microsoft.com/VisualStudio/2011/storyboarding/control">
-  <Id Name="369f9055-6b6c-48b9-9320-5df2d46c430a" Revision="1" Stencil="7276b9ef-3953-4dce-a89b-ed85f20b8b93" StencilVersion="1.0"/>
-</Control>
-</file>
-
-<file path=customXml/item15.xml><?xml version="1.0" encoding="utf-8"?>
-<Control xmlns="http://schemas.microsoft.com/VisualStudio/2011/storyboarding/control">
-  <Id Name="a2191c86-fc50-4add-948c-129f6b5a88d8" Revision="1" Stencil="7276b9ef-3953-4dce-a89b-ed85f20b8b93" StencilVersion="1.0"/>
-</Control>
-</file>
-
-<file path=customXml/item16.xml><?xml version="1.0" encoding="utf-8"?>
-<?mso-contentType ?>
-<FormTemplates xmlns="http://schemas.microsoft.com/sharepoint/v3/contenttype/forms">
-  <Display>DocumentLibraryForm</Display>
-  <Edit>DocumentLibraryForm</Edit>
-  <New>DocumentLibraryForm</New>
-</FormTemplates>
-</file>
-
-<file path=customXml/item17.xml><?xml version="1.0" encoding="utf-8"?>
-<Control xmlns="http://schemas.microsoft.com/VisualStudio/2011/storyboarding/control">
-  <Id Name="fb22c541-ded0-47fa-8877-83a4c2d16227" Revision="1" Stencil="7276b9ef-3953-4dce-a89b-ed85f20b8b93" StencilVersion="1.0"/>
-</Control>
-</file>
-
-<file path=customXml/item18.xml><?xml version="1.0" encoding="utf-8"?>
-<Control xmlns="http://schemas.microsoft.com/VisualStudio/2011/storyboarding/control">
-  <Id Name="a2191c86-fc50-4add-948c-129f6b5a88d8" Revision="1" Stencil="7276b9ef-3953-4dce-a89b-ed85f20b8b93" StencilVersion="1.0"/>
-</Control>
-</file>
-
-<file path=customXml/item19.xml><?xml version="1.0" encoding="utf-8"?>
-<Control xmlns="http://schemas.microsoft.com/VisualStudio/2011/storyboarding/control">
-  <Id Name="a53d73d2-368b-429e-b817-1324eec1382c" Revision="1" Stencil="7276b9ef-3953-4dce-a89b-ed85f20b8b93" StencilVersion="1.0"/>
-</Control>
-</file>
-
-<file path=customXml/item2.xml><?xml version="1.0" encoding="utf-8"?>
-<Control xmlns="http://schemas.microsoft.com/VisualStudio/2011/storyboarding/control">
-  <Id Name="369f9055-6b6c-48b9-9320-5df2d46c430a" Revision="1" Stencil="7276b9ef-3953-4dce-a89b-ed85f20b8b93" StencilVersion="1.0"/>
-</Control>
-</file>
-
-<file path=customXml/item20.xml><?xml version="1.0" encoding="utf-8"?>
-<Control xmlns="http://schemas.microsoft.com/VisualStudio/2011/storyboarding/control">
-  <Id Name="fb22c541-ded0-47fa-8877-83a4c2d16227" Revision="1" Stencil="7276b9ef-3953-4dce-a89b-ed85f20b8b93" StencilVersion="1.0"/>
-</Control>
-</file>
-
-<file path=customXml/item21.xml><?xml version="1.0" encoding="utf-8"?>
-<Control xmlns="http://schemas.microsoft.com/VisualStudio/2011/storyboarding/control">
-  <Id Name="a53d73d2-368b-429e-b817-1324eec1382c" Revision="1" Stencil="7276b9ef-3953-4dce-a89b-ed85f20b8b93" StencilVersion="1.0"/>
-</Control>
-</file>
-
-<file path=customXml/item22.xml><?xml version="1.0" encoding="utf-8"?>
-<Control xmlns="http://schemas.microsoft.com/VisualStudio/2011/storyboarding/control">
-  <Id Name="a53d73d2-368b-429e-b817-1324eec1382c" Revision="1" Stencil="7276b9ef-3953-4dce-a89b-ed85f20b8b93" StencilVersion="1.0"/>
-</Control>
-</file>
-
-<file path=customXml/item23.xml><?xml version="1.0" encoding="utf-8"?>
-<Control xmlns="http://schemas.microsoft.com/VisualStudio/2011/storyboarding/control">
-  <Id Name="369f9055-6b6c-48b9-9320-5df2d46c430a" Revision="1" Stencil="7276b9ef-3953-4dce-a89b-ed85f20b8b93" StencilVersion="1.0"/>
-</Control>
-</file>
-
-<file path=customXml/item24.xml><?xml version="1.0" encoding="utf-8"?>
-<Control xmlns="http://schemas.microsoft.com/VisualStudio/2011/storyboarding/control">
-  <Id Name="fb22c541-ded0-47fa-8877-83a4c2d16227" Revision="1" Stencil="7276b9ef-3953-4dce-a89b-ed85f20b8b93" StencilVersion="1.0"/>
-</Control>
-</file>
-
-<file path=customXml/item25.xml><?xml version="1.0" encoding="utf-8"?>
-<Control xmlns="http://schemas.microsoft.com/VisualStudio/2011/storyboarding/control">
-  <Id Name="a53d73d2-368b-429e-b817-1324eec1382c" Revision="1" Stencil="7276b9ef-3953-4dce-a89b-ed85f20b8b93" StencilVersion="1.0"/>
-</Control>
-</file>
-
-<file path=customXml/item26.xml><?xml version="1.0" encoding="utf-8"?>
-<Control xmlns="http://schemas.microsoft.com/VisualStudio/2011/storyboarding/control">
-  <Id Name="d69996e1-3d61-4686-9b63-f1b855c596ab" Revision="1" Stencil="7276b9ef-3953-4dce-a89b-ed85f20b8b93" StencilVersion="1.0"/>
-</Control>
-</file>
-
-<file path=customXml/item27.xml><?xml version="1.0" encoding="utf-8"?>
-<Control xmlns="http://schemas.microsoft.com/VisualStudio/2011/storyboarding/control">
-  <Id Name="a2191c86-fc50-4add-948c-129f6b5a88d8" Revision="1" Stencil="7276b9ef-3953-4dce-a89b-ed85f20b8b93" StencilVersion="1.0"/>
-</Control>
-</file>
-
-<file path=customXml/item28.xml><?xml version="1.0" encoding="utf-8"?>
-<Control xmlns="http://schemas.microsoft.com/VisualStudio/2011/storyboarding/control">
-  <Id Name="d69996e1-3d61-4686-9b63-f1b855c596ab" Revision="1" Stencil="7276b9ef-3953-4dce-a89b-ed85f20b8b93" StencilVersion="1.0"/>
-</Control>
-</file>
-
-<file path=customXml/item29.xml><?xml version="1.0" encoding="utf-8"?>
-<Control xmlns="http://schemas.microsoft.com/VisualStudio/2011/storyboarding/control">
-  <Id Name="d69996e1-3d61-4686-9b63-f1b855c596ab" Revision="1" Stencil="7276b9ef-3953-4dce-a89b-ed85f20b8b93" StencilVersion="1.0"/>
-</Control>
-</file>
-
-<file path=customXml/item3.xml><?xml version="1.0" encoding="utf-8"?>
-<Control xmlns="http://schemas.microsoft.com/VisualStudio/2011/storyboarding/control">
-  <Id Name="a53d73d2-368b-429e-b817-1324eec1382c" Revision="1" Stencil="7276b9ef-3953-4dce-a89b-ed85f20b8b93" StencilVersion="1.0"/>
-</Control>
-</file>
-
-<file path=customXml/item30.xml><?xml version="1.0" encoding="utf-8"?>
-<Control xmlns="http://schemas.microsoft.com/VisualStudio/2011/storyboarding/control">
-  <Id Name="369f9055-6b6c-48b9-9320-5df2d46c430a" Revision="1" Stencil="7276b9ef-3953-4dce-a89b-ed85f20b8b93" StencilVersion="1.0"/>
-</Control>
-</file>
-
-<file path=customXml/item31.xml><?xml version="1.0" encoding="utf-8"?>
-<Control xmlns="http://schemas.microsoft.com/VisualStudio/2011/storyboarding/control">
-  <Id Name="d69996e1-3d61-4686-9b63-f1b855c596ab" Revision="1" Stencil="7276b9ef-3953-4dce-a89b-ed85f20b8b93" StencilVersion="1.0"/>
-</Control>
-</file>
-
-<file path=customXml/item32.xml><?xml version="1.0" encoding="utf-8"?>
-<Control xmlns="http://schemas.microsoft.com/VisualStudio/2011/storyboarding/control">
-  <Id Name="d69996e1-3d61-4686-9b63-f1b855c596ab" Revision="1" Stencil="7276b9ef-3953-4dce-a89b-ed85f20b8b93" StencilVersion="1.0"/>
-</Control>
-</file>
-
-<file path=customXml/item33.xml><?xml version="1.0" encoding="utf-8"?>
-<Control xmlns="http://schemas.microsoft.com/VisualStudio/2011/storyboarding/control">
-  <Id Name="369f9055-6b6c-48b9-9320-5df2d46c430a" Revision="1" Stencil="7276b9ef-3953-4dce-a89b-ed85f20b8b93" StencilVersion="1.0"/>
-</Control>
-</file>
-
-<file path=customXml/item4.xml><?xml version="1.0" encoding="utf-8"?>
-<Control xmlns="http://schemas.microsoft.com/VisualStudio/2011/storyboarding/control">
-  <Id Name="369f9055-6b6c-48b9-9320-5df2d46c430a" Revision="1" Stencil="7276b9ef-3953-4dce-a89b-ed85f20b8b93" StencilVersion="1.0"/>
-</Control>
-</file>
-
-<file path=customXml/item5.xml><?xml version="1.0" encoding="utf-8"?>
-<Control xmlns="http://schemas.microsoft.com/VisualStudio/2011/storyboarding/control">
-  <Id Name="d69996e1-3d61-4686-9b63-f1b855c596ab" Revision="1" Stencil="7276b9ef-3953-4dce-a89b-ed85f20b8b93" StencilVersion="1.0"/>
-</Control>
-</file>
-
-<file path=customXml/item6.xml><?xml version="1.0" encoding="utf-8"?>
 <ct:contentTypeSchema xmlns:ct="http://schemas.microsoft.com/office/2006/metadata/contentType" xmlns:ma="http://schemas.microsoft.com/office/2006/metadata/properties/metaAttributes" ct:_="" ma:_="" ma:contentTypeName="Document" ma:contentTypeID="0x010100674EDBEC711BD14FBA6FF5C10FEFEAC7" ma:contentTypeVersion="2" ma:contentTypeDescription="Create a new document." ma:contentTypeScope="" ma:versionID="2439c5e21841780d4f192983b535a097">
   <xsd:schema xmlns:xsd="http://www.w3.org/2001/XMLSchema" xmlns:xs="http://www.w3.org/2001/XMLSchema" xmlns:p="http://schemas.microsoft.com/office/2006/metadata/properties" xmlns:ns2="83cd2334-221a-48c3-9034-bfd1542dfe28" targetNamespace="http://schemas.microsoft.com/office/2006/metadata/properties" ma:root="true" ma:fieldsID="2bca9163d8d0b233c3086236a9289b04" ns2:_="">
     <xsd:import namespace="83cd2334-221a-48c3-9034-bfd1542dfe28"/>
@@ -44979,7 +44844,133 @@
 </ct:contentTypeSchema>
 </file>
 
-<file path=customXml/item7.xml><?xml version="1.0" encoding="utf-8"?>
+<file path=customXml/item15.xml><?xml version="1.0" encoding="utf-8"?>
+<Control xmlns="http://schemas.microsoft.com/VisualStudio/2011/storyboarding/control">
+  <Id Name="fb22c541-ded0-47fa-8877-83a4c2d16227" Revision="1" Stencil="7276b9ef-3953-4dce-a89b-ed85f20b8b93" StencilVersion="1.0"/>
+</Control>
+</file>
+
+<file path=customXml/item16.xml><?xml version="1.0" encoding="utf-8"?>
+<Control xmlns="http://schemas.microsoft.com/VisualStudio/2011/storyboarding/control">
+  <Id Name="fb22c541-ded0-47fa-8877-83a4c2d16227" Revision="1" Stencil="7276b9ef-3953-4dce-a89b-ed85f20b8b93" StencilVersion="1.0"/>
+</Control>
+</file>
+
+<file path=customXml/item17.xml><?xml version="1.0" encoding="utf-8"?>
+<Control xmlns="http://schemas.microsoft.com/VisualStudio/2011/storyboarding/control">
+  <Id Name="d69996e1-3d61-4686-9b63-f1b855c596ab" Revision="1" Stencil="7276b9ef-3953-4dce-a89b-ed85f20b8b93" StencilVersion="1.0"/>
+</Control>
+</file>
+
+<file path=customXml/item18.xml><?xml version="1.0" encoding="utf-8"?>
+<Control xmlns="http://schemas.microsoft.com/VisualStudio/2011/storyboarding/control">
+  <Id Name="d69996e1-3d61-4686-9b63-f1b855c596ab" Revision="1" Stencil="7276b9ef-3953-4dce-a89b-ed85f20b8b93" StencilVersion="1.0"/>
+</Control>
+</file>
+
+<file path=customXml/item19.xml><?xml version="1.0" encoding="utf-8"?>
+<Control xmlns="http://schemas.microsoft.com/VisualStudio/2011/storyboarding/control">
+  <Id Name="a2191c86-fc50-4add-948c-129f6b5a88d8" Revision="1" Stencil="7276b9ef-3953-4dce-a89b-ed85f20b8b93" StencilVersion="1.0"/>
+</Control>
+</file>
+
+<file path=customXml/item2.xml><?xml version="1.0" encoding="utf-8"?>
+<Control xmlns="http://schemas.microsoft.com/VisualStudio/2011/storyboarding/control">
+  <Id Name="d69996e1-3d61-4686-9b63-f1b855c596ab" Revision="1" Stencil="7276b9ef-3953-4dce-a89b-ed85f20b8b93" StencilVersion="1.0"/>
+</Control>
+</file>
+
+<file path=customXml/item20.xml><?xml version="1.0" encoding="utf-8"?>
+<Control xmlns="http://schemas.microsoft.com/VisualStudio/2011/storyboarding/control">
+  <Id Name="369f9055-6b6c-48b9-9320-5df2d46c430a" Revision="1" Stencil="7276b9ef-3953-4dce-a89b-ed85f20b8b93" StencilVersion="1.0"/>
+</Control>
+</file>
+
+<file path=customXml/item21.xml><?xml version="1.0" encoding="utf-8"?>
+<Control xmlns="http://schemas.microsoft.com/VisualStudio/2011/storyboarding/control">
+  <Id Name="d69996e1-3d61-4686-9b63-f1b855c596ab" Revision="1" Stencil="7276b9ef-3953-4dce-a89b-ed85f20b8b93" StencilVersion="1.0"/>
+</Control>
+</file>
+
+<file path=customXml/item22.xml><?xml version="1.0" encoding="utf-8"?>
+<Control xmlns="http://schemas.microsoft.com/VisualStudio/2011/storyboarding/control">
+  <Id Name="fb22c541-ded0-47fa-8877-83a4c2d16227" Revision="1" Stencil="7276b9ef-3953-4dce-a89b-ed85f20b8b93" StencilVersion="1.0"/>
+</Control>
+</file>
+
+<file path=customXml/item23.xml><?xml version="1.0" encoding="utf-8"?>
+<Control xmlns="http://schemas.microsoft.com/VisualStudio/2011/storyboarding/control">
+  <Id Name="a53d73d2-368b-429e-b817-1324eec1382c" Revision="1" Stencil="7276b9ef-3953-4dce-a89b-ed85f20b8b93" StencilVersion="1.0"/>
+</Control>
+</file>
+
+<file path=customXml/item24.xml><?xml version="1.0" encoding="utf-8"?>
+<Control xmlns="http://schemas.microsoft.com/VisualStudio/2011/storyboarding/control">
+  <Id Name="d69996e1-3d61-4686-9b63-f1b855c596ab" Revision="1" Stencil="7276b9ef-3953-4dce-a89b-ed85f20b8b93" StencilVersion="1.0"/>
+</Control>
+</file>
+
+<file path=customXml/item25.xml><?xml version="1.0" encoding="utf-8"?>
+<Control xmlns="http://schemas.microsoft.com/VisualStudio/2011/storyboarding/control">
+  <Id Name="369f9055-6b6c-48b9-9320-5df2d46c430a" Revision="1" Stencil="7276b9ef-3953-4dce-a89b-ed85f20b8b93" StencilVersion="1.0"/>
+</Control>
+</file>
+
+<file path=customXml/item26.xml><?xml version="1.0" encoding="utf-8"?>
+<Control xmlns="http://schemas.microsoft.com/VisualStudio/2011/storyboarding/control">
+  <Id Name="a2191c86-fc50-4add-948c-129f6b5a88d8" Revision="1" Stencil="7276b9ef-3953-4dce-a89b-ed85f20b8b93" StencilVersion="1.0"/>
+</Control>
+</file>
+
+<file path=customXml/item27.xml><?xml version="1.0" encoding="utf-8"?>
+<Control xmlns="http://schemas.microsoft.com/VisualStudio/2011/storyboarding/control">
+  <Id Name="369f9055-6b6c-48b9-9320-5df2d46c430a" Revision="1" Stencil="7276b9ef-3953-4dce-a89b-ed85f20b8b93" StencilVersion="1.0"/>
+</Control>
+</file>
+
+<file path=customXml/item28.xml><?xml version="1.0" encoding="utf-8"?>
+<Control xmlns="http://schemas.microsoft.com/VisualStudio/2011/storyboarding/control">
+  <Id Name="a53d73d2-368b-429e-b817-1324eec1382c" Revision="1" Stencil="7276b9ef-3953-4dce-a89b-ed85f20b8b93" StencilVersion="1.0"/>
+</Control>
+</file>
+
+<file path=customXml/item29.xml><?xml version="1.0" encoding="utf-8"?>
+<Control xmlns="http://schemas.microsoft.com/VisualStudio/2011/storyboarding/control">
+  <Id Name="a2191c86-fc50-4add-948c-129f6b5a88d8" Revision="1" Stencil="7276b9ef-3953-4dce-a89b-ed85f20b8b93" StencilVersion="1.0"/>
+</Control>
+</file>
+
+<file path=customXml/item3.xml><?xml version="1.0" encoding="utf-8"?>
+<Control xmlns="http://schemas.microsoft.com/VisualStudio/2011/storyboarding/control">
+  <Id Name="a53d73d2-368b-429e-b817-1324eec1382c" Revision="1" Stencil="7276b9ef-3953-4dce-a89b-ed85f20b8b93" StencilVersion="1.0"/>
+</Control>
+</file>
+
+<file path=customXml/item30.xml><?xml version="1.0" encoding="utf-8"?>
+<Control xmlns="http://schemas.microsoft.com/VisualStudio/2011/storyboarding/control">
+  <Id Name="369f9055-6b6c-48b9-9320-5df2d46c430a" Revision="1" Stencil="7276b9ef-3953-4dce-a89b-ed85f20b8b93" StencilVersion="1.0"/>
+</Control>
+</file>
+
+<file path=customXml/item31.xml><?xml version="1.0" encoding="utf-8"?>
+<Control xmlns="http://schemas.microsoft.com/VisualStudio/2011/storyboarding/control">
+  <Id Name="a2191c86-fc50-4add-948c-129f6b5a88d8" Revision="1" Stencil="7276b9ef-3953-4dce-a89b-ed85f20b8b93" StencilVersion="1.0"/>
+</Control>
+</file>
+
+<file path=customXml/item32.xml><?xml version="1.0" encoding="utf-8"?>
+<Control xmlns="http://schemas.microsoft.com/VisualStudio/2011/storyboarding/control">
+  <Id Name="a53d73d2-368b-429e-b817-1324eec1382c" Revision="1" Stencil="7276b9ef-3953-4dce-a89b-ed85f20b8b93" StencilVersion="1.0"/>
+</Control>
+</file>
+
+<file path=customXml/item33.xml><?xml version="1.0" encoding="utf-8"?>
+<Control xmlns="http://schemas.microsoft.com/VisualStudio/2011/storyboarding/control">
+  <Id Name="a2191c86-fc50-4add-948c-129f6b5a88d8" Revision="1" Stencil="7276b9ef-3953-4dce-a89b-ed85f20b8b93" StencilVersion="1.0"/>
+</Control>
+</file>
+
+<file path=customXml/item4.xml><?xml version="1.0" encoding="utf-8"?>
 <p:properties xmlns:p="http://schemas.microsoft.com/office/2006/metadata/properties" xmlns:xsi="http://www.w3.org/2001/XMLSchema-instance" xmlns:pc="http://schemas.microsoft.com/office/infopath/2007/PartnerControls">
   <documentManagement>
     <SharedWithUsers xmlns="83cd2334-221a-48c3-9034-bfd1542dfe28">
@@ -45003,19 +44994,69 @@
 </p:properties>
 </file>
 
+<file path=customXml/item5.xml><?xml version="1.0" encoding="utf-8"?>
+<Control xmlns="http://schemas.microsoft.com/VisualStudio/2011/storyboarding/control">
+  <Id Name="a53d73d2-368b-429e-b817-1324eec1382c" Revision="1" Stencil="7276b9ef-3953-4dce-a89b-ed85f20b8b93" StencilVersion="1.0"/>
+</Control>
+</file>
+
+<file path=customXml/item6.xml><?xml version="1.0" encoding="utf-8"?>
+<Control xmlns="http://schemas.microsoft.com/VisualStudio/2011/storyboarding/control">
+  <Id Name="fb22c541-ded0-47fa-8877-83a4c2d16227" Revision="1" Stencil="7276b9ef-3953-4dce-a89b-ed85f20b8b93" StencilVersion="1.0"/>
+</Control>
+</file>
+
+<file path=customXml/item7.xml><?xml version="1.0" encoding="utf-8"?>
+<Control xmlns="http://schemas.microsoft.com/VisualStudio/2011/storyboarding/control">
+  <Id Name="a53d73d2-368b-429e-b817-1324eec1382c" Revision="1" Stencil="7276b9ef-3953-4dce-a89b-ed85f20b8b93" StencilVersion="1.0"/>
+</Control>
+</file>
+
 <file path=customXml/item8.xml><?xml version="1.0" encoding="utf-8"?>
 <Control xmlns="http://schemas.microsoft.com/VisualStudio/2011/storyboarding/control">
-  <Id Name="a2191c86-fc50-4add-948c-129f6b5a88d8" Revision="1" Stencil="7276b9ef-3953-4dce-a89b-ed85f20b8b93" StencilVersion="1.0"/>
+  <Id Name="369f9055-6b6c-48b9-9320-5df2d46c430a" Revision="1" Stencil="7276b9ef-3953-4dce-a89b-ed85f20b8b93" StencilVersion="1.0"/>
 </Control>
 </file>
 
 <file path=customXml/item9.xml><?xml version="1.0" encoding="utf-8"?>
 <Control xmlns="http://schemas.microsoft.com/VisualStudio/2011/storyboarding/control">
-  <Id Name="a2191c86-fc50-4add-948c-129f6b5a88d8" Revision="1" Stencil="7276b9ef-3953-4dce-a89b-ed85f20b8b93" StencilVersion="1.0"/>
+  <Id Name="369f9055-6b6c-48b9-9320-5df2d46c430a" Revision="1" Stencil="7276b9ef-3953-4dce-a89b-ed85f20b8b93" StencilVersion="1.0"/>
 </Control>
 </file>
 
 <file path=customXml/itemProps1.xml><?xml version="1.0" encoding="utf-8"?>
+<ds:datastoreItem xmlns:ds="http://schemas.openxmlformats.org/officeDocument/2006/customXml" ds:itemID="{8BD595CA-AC5E-43B9-B966-E468A16E8322}">
+  <ds:schemaRefs>
+    <ds:schemaRef ds:uri="http://schemas.microsoft.com/VisualStudio/2011/storyboarding/control"/>
+  </ds:schemaRefs>
+</ds:datastoreItem>
+</file>
+
+<file path=customXml/itemProps10.xml><?xml version="1.0" encoding="utf-8"?>
+<ds:datastoreItem xmlns:ds="http://schemas.openxmlformats.org/officeDocument/2006/customXml" ds:itemID="{758FDAC0-319D-4A54-8D8E-1D42CB1F8004}">
+  <ds:schemaRefs>
+    <ds:schemaRef ds:uri="http://schemas.microsoft.com/sharepoint/v3/contenttype/forms"/>
+  </ds:schemaRefs>
+</ds:datastoreItem>
+</file>
+
+<file path=customXml/itemProps11.xml><?xml version="1.0" encoding="utf-8"?>
+<ds:datastoreItem xmlns:ds="http://schemas.openxmlformats.org/officeDocument/2006/customXml" ds:itemID="{4C1B3C27-4803-4D72-A3F8-6668A3F0A24B}">
+  <ds:schemaRefs>
+    <ds:schemaRef ds:uri="http://schemas.microsoft.com/VisualStudio/2011/storyboarding/control"/>
+  </ds:schemaRefs>
+</ds:datastoreItem>
+</file>
+
+<file path=customXml/itemProps12.xml><?xml version="1.0" encoding="utf-8"?>
+<ds:datastoreItem xmlns:ds="http://schemas.openxmlformats.org/officeDocument/2006/customXml" ds:itemID="{67213E6F-7B96-4222-888B-63710B06D885}">
+  <ds:schemaRefs>
+    <ds:schemaRef ds:uri="http://schemas.microsoft.com/VisualStudio/2011/storyboarding/control"/>
+  </ds:schemaRefs>
+</ds:datastoreItem>
+</file>
+
+<file path=customXml/itemProps13.xml><?xml version="1.0" encoding="utf-8"?>
 <ds:datastoreItem xmlns:ds="http://schemas.openxmlformats.org/officeDocument/2006/customXml" ds:itemID="{4E8278DB-3CDD-48A7-992E-A7596AD335B9}">
   <ds:schemaRefs>
     <ds:schemaRef ds:uri="http://schemas.microsoft.com/VisualStudio/2011/storyboarding/control"/>
@@ -45023,231 +45064,7 @@
 </ds:datastoreItem>
 </file>
 
-<file path=customXml/itemProps10.xml><?xml version="1.0" encoding="utf-8"?>
-<ds:datastoreItem xmlns:ds="http://schemas.openxmlformats.org/officeDocument/2006/customXml" ds:itemID="{432851C6-BC05-4673-B853-6D08AB80CDC4}">
-  <ds:schemaRefs>
-    <ds:schemaRef ds:uri="http://schemas.microsoft.com/VisualStudio/2011/storyboarding/control"/>
-  </ds:schemaRefs>
-</ds:datastoreItem>
-</file>
-
-<file path=customXml/itemProps11.xml><?xml version="1.0" encoding="utf-8"?>
-<ds:datastoreItem xmlns:ds="http://schemas.openxmlformats.org/officeDocument/2006/customXml" ds:itemID="{B5105A87-47B6-44F6-97FD-4619C0556604}">
-  <ds:schemaRefs>
-    <ds:schemaRef ds:uri="http://schemas.microsoft.com/VisualStudio/2011/storyboarding/control"/>
-  </ds:schemaRefs>
-</ds:datastoreItem>
-</file>
-
-<file path=customXml/itemProps12.xml><?xml version="1.0" encoding="utf-8"?>
-<ds:datastoreItem xmlns:ds="http://schemas.openxmlformats.org/officeDocument/2006/customXml" ds:itemID="{ED350DFE-2319-4AB0-BC96-1D36D125365A}">
-  <ds:schemaRefs>
-    <ds:schemaRef ds:uri="http://schemas.microsoft.com/VisualStudio/2011/storyboarding/control"/>
-  </ds:schemaRefs>
-</ds:datastoreItem>
-</file>
-
-<file path=customXml/itemProps13.xml><?xml version="1.0" encoding="utf-8"?>
-<ds:datastoreItem xmlns:ds="http://schemas.openxmlformats.org/officeDocument/2006/customXml" ds:itemID="{D4B5F268-5930-44CD-BDF1-D0A04D4BBC1C}">
-  <ds:schemaRefs>
-    <ds:schemaRef ds:uri="http://schemas.microsoft.com/VisualStudio/2011/storyboarding/control"/>
-  </ds:schemaRefs>
-</ds:datastoreItem>
-</file>
-
 <file path=customXml/itemProps14.xml><?xml version="1.0" encoding="utf-8"?>
-<ds:datastoreItem xmlns:ds="http://schemas.openxmlformats.org/officeDocument/2006/customXml" ds:itemID="{82DB428A-B8F8-483F-8276-095629A8ECDB}">
-  <ds:schemaRefs>
-    <ds:schemaRef ds:uri="http://schemas.microsoft.com/VisualStudio/2011/storyboarding/control"/>
-  </ds:schemaRefs>
-</ds:datastoreItem>
-</file>
-
-<file path=customXml/itemProps15.xml><?xml version="1.0" encoding="utf-8"?>
-<ds:datastoreItem xmlns:ds="http://schemas.openxmlformats.org/officeDocument/2006/customXml" ds:itemID="{3C954CC5-1CAC-4EC3-9791-8630483065B9}">
-  <ds:schemaRefs>
-    <ds:schemaRef ds:uri="http://schemas.microsoft.com/VisualStudio/2011/storyboarding/control"/>
-  </ds:schemaRefs>
-</ds:datastoreItem>
-</file>
-
-<file path=customXml/itemProps16.xml><?xml version="1.0" encoding="utf-8"?>
-<ds:datastoreItem xmlns:ds="http://schemas.openxmlformats.org/officeDocument/2006/customXml" ds:itemID="{758FDAC0-319D-4A54-8D8E-1D42CB1F8004}">
-  <ds:schemaRefs>
-    <ds:schemaRef ds:uri="http://schemas.microsoft.com/sharepoint/v3/contenttype/forms"/>
-  </ds:schemaRefs>
-</ds:datastoreItem>
-</file>
-
-<file path=customXml/itemProps17.xml><?xml version="1.0" encoding="utf-8"?>
-<ds:datastoreItem xmlns:ds="http://schemas.openxmlformats.org/officeDocument/2006/customXml" ds:itemID="{D6FEE829-2115-45B4-8110-670FD454542B}">
-  <ds:schemaRefs>
-    <ds:schemaRef ds:uri="http://schemas.microsoft.com/VisualStudio/2011/storyboarding/control"/>
-  </ds:schemaRefs>
-</ds:datastoreItem>
-</file>
-
-<file path=customXml/itemProps18.xml><?xml version="1.0" encoding="utf-8"?>
-<ds:datastoreItem xmlns:ds="http://schemas.openxmlformats.org/officeDocument/2006/customXml" ds:itemID="{8BD595CA-AC5E-43B9-B966-E468A16E8322}">
-  <ds:schemaRefs>
-    <ds:schemaRef ds:uri="http://schemas.microsoft.com/VisualStudio/2011/storyboarding/control"/>
-  </ds:schemaRefs>
-</ds:datastoreItem>
-</file>
-
-<file path=customXml/itemProps19.xml><?xml version="1.0" encoding="utf-8"?>
-<ds:datastoreItem xmlns:ds="http://schemas.openxmlformats.org/officeDocument/2006/customXml" ds:itemID="{4E805D65-1532-4BB0-8F41-8013167C0009}">
-  <ds:schemaRefs>
-    <ds:schemaRef ds:uri="http://schemas.microsoft.com/VisualStudio/2011/storyboarding/control"/>
-  </ds:schemaRefs>
-</ds:datastoreItem>
-</file>
-
-<file path=customXml/itemProps2.xml><?xml version="1.0" encoding="utf-8"?>
-<ds:datastoreItem xmlns:ds="http://schemas.openxmlformats.org/officeDocument/2006/customXml" ds:itemID="{38217AA1-CC95-49A9-B284-2ED4D347D7CA}">
-  <ds:schemaRefs>
-    <ds:schemaRef ds:uri="http://schemas.microsoft.com/VisualStudio/2011/storyboarding/control"/>
-  </ds:schemaRefs>
-</ds:datastoreItem>
-</file>
-
-<file path=customXml/itemProps20.xml><?xml version="1.0" encoding="utf-8"?>
-<ds:datastoreItem xmlns:ds="http://schemas.openxmlformats.org/officeDocument/2006/customXml" ds:itemID="{4C1B3C27-4803-4D72-A3F8-6668A3F0A24B}">
-  <ds:schemaRefs>
-    <ds:schemaRef ds:uri="http://schemas.microsoft.com/VisualStudio/2011/storyboarding/control"/>
-  </ds:schemaRefs>
-</ds:datastoreItem>
-</file>
-
-<file path=customXml/itemProps21.xml><?xml version="1.0" encoding="utf-8"?>
-<ds:datastoreItem xmlns:ds="http://schemas.openxmlformats.org/officeDocument/2006/customXml" ds:itemID="{F68D8396-E21C-4AFF-8FDD-70D00673D0EE}">
-  <ds:schemaRefs>
-    <ds:schemaRef ds:uri="http://schemas.microsoft.com/VisualStudio/2011/storyboarding/control"/>
-  </ds:schemaRefs>
-</ds:datastoreItem>
-</file>
-
-<file path=customXml/itemProps22.xml><?xml version="1.0" encoding="utf-8"?>
-<ds:datastoreItem xmlns:ds="http://schemas.openxmlformats.org/officeDocument/2006/customXml" ds:itemID="{8893E80D-6D0C-4E0F-AA22-E5615BB87E5B}">
-  <ds:schemaRefs>
-    <ds:schemaRef ds:uri="http://schemas.microsoft.com/VisualStudio/2011/storyboarding/control"/>
-  </ds:schemaRefs>
-</ds:datastoreItem>
-</file>
-
-<file path=customXml/itemProps23.xml><?xml version="1.0" encoding="utf-8"?>
-<ds:datastoreItem xmlns:ds="http://schemas.openxmlformats.org/officeDocument/2006/customXml" ds:itemID="{42D603BF-B513-4201-A599-21BA0F4FFC40}">
-  <ds:schemaRefs>
-    <ds:schemaRef ds:uri="http://schemas.microsoft.com/VisualStudio/2011/storyboarding/control"/>
-  </ds:schemaRefs>
-</ds:datastoreItem>
-</file>
-
-<file path=customXml/itemProps24.xml><?xml version="1.0" encoding="utf-8"?>
-<ds:datastoreItem xmlns:ds="http://schemas.openxmlformats.org/officeDocument/2006/customXml" ds:itemID="{376216F9-AF6B-4844-AE8C-B9F953F916AB}">
-  <ds:schemaRefs>
-    <ds:schemaRef ds:uri="http://schemas.microsoft.com/VisualStudio/2011/storyboarding/control"/>
-  </ds:schemaRefs>
-</ds:datastoreItem>
-</file>
-
-<file path=customXml/itemProps25.xml><?xml version="1.0" encoding="utf-8"?>
-<ds:datastoreItem xmlns:ds="http://schemas.openxmlformats.org/officeDocument/2006/customXml" ds:itemID="{21F6B647-976A-41D0-B760-9DF9DFC6AE3C}">
-  <ds:schemaRefs>
-    <ds:schemaRef ds:uri="http://schemas.microsoft.com/VisualStudio/2011/storyboarding/control"/>
-  </ds:schemaRefs>
-</ds:datastoreItem>
-</file>
-
-<file path=customXml/itemProps26.xml><?xml version="1.0" encoding="utf-8"?>
-<ds:datastoreItem xmlns:ds="http://schemas.openxmlformats.org/officeDocument/2006/customXml" ds:itemID="{C0F92A87-A216-45A9-B9C0-0515663D35BF}">
-  <ds:schemaRefs>
-    <ds:schemaRef ds:uri="http://schemas.microsoft.com/VisualStudio/2011/storyboarding/control"/>
-  </ds:schemaRefs>
-</ds:datastoreItem>
-</file>
-
-<file path=customXml/itemProps27.xml><?xml version="1.0" encoding="utf-8"?>
-<ds:datastoreItem xmlns:ds="http://schemas.openxmlformats.org/officeDocument/2006/customXml" ds:itemID="{0B54C583-7BAB-4080-8093-C5F84F5A225A}">
-  <ds:schemaRefs>
-    <ds:schemaRef ds:uri="http://schemas.microsoft.com/VisualStudio/2011/storyboarding/control"/>
-  </ds:schemaRefs>
-</ds:datastoreItem>
-</file>
-
-<file path=customXml/itemProps28.xml><?xml version="1.0" encoding="utf-8"?>
-<ds:datastoreItem xmlns:ds="http://schemas.openxmlformats.org/officeDocument/2006/customXml" ds:itemID="{C63AC2F0-1DEB-4E91-A88A-7A014A172F4F}">
-  <ds:schemaRefs>
-    <ds:schemaRef ds:uri="http://schemas.microsoft.com/VisualStudio/2011/storyboarding/control"/>
-  </ds:schemaRefs>
-</ds:datastoreItem>
-</file>
-
-<file path=customXml/itemProps29.xml><?xml version="1.0" encoding="utf-8"?>
-<ds:datastoreItem xmlns:ds="http://schemas.openxmlformats.org/officeDocument/2006/customXml" ds:itemID="{67213E6F-7B96-4222-888B-63710B06D885}">
-  <ds:schemaRefs>
-    <ds:schemaRef ds:uri="http://schemas.microsoft.com/VisualStudio/2011/storyboarding/control"/>
-  </ds:schemaRefs>
-</ds:datastoreItem>
-</file>
-
-<file path=customXml/itemProps3.xml><?xml version="1.0" encoding="utf-8"?>
-<ds:datastoreItem xmlns:ds="http://schemas.openxmlformats.org/officeDocument/2006/customXml" ds:itemID="{6FB9D450-4C47-4A44-8C0D-C78D8A54C46F}">
-  <ds:schemaRefs>
-    <ds:schemaRef ds:uri="http://schemas.microsoft.com/VisualStudio/2011/storyboarding/control"/>
-  </ds:schemaRefs>
-</ds:datastoreItem>
-</file>
-
-<file path=customXml/itemProps30.xml><?xml version="1.0" encoding="utf-8"?>
-<ds:datastoreItem xmlns:ds="http://schemas.openxmlformats.org/officeDocument/2006/customXml" ds:itemID="{08C4EE12-DF69-4FFC-9E40-C7991F3490A6}">
-  <ds:schemaRefs>
-    <ds:schemaRef ds:uri="http://schemas.microsoft.com/VisualStudio/2011/storyboarding/control"/>
-  </ds:schemaRefs>
-</ds:datastoreItem>
-</file>
-
-<file path=customXml/itemProps31.xml><?xml version="1.0" encoding="utf-8"?>
-<ds:datastoreItem xmlns:ds="http://schemas.openxmlformats.org/officeDocument/2006/customXml" ds:itemID="{366CA990-F93D-4100-9654-65D9E30F4E1C}">
-  <ds:schemaRefs>
-    <ds:schemaRef ds:uri="http://schemas.microsoft.com/VisualStudio/2011/storyboarding/control"/>
-  </ds:schemaRefs>
-</ds:datastoreItem>
-</file>
-
-<file path=customXml/itemProps32.xml><?xml version="1.0" encoding="utf-8"?>
-<ds:datastoreItem xmlns:ds="http://schemas.openxmlformats.org/officeDocument/2006/customXml" ds:itemID="{3DC6CABD-46E1-4C27-A0B3-616DC56F8E5C}">
-  <ds:schemaRefs>
-    <ds:schemaRef ds:uri="http://schemas.microsoft.com/VisualStudio/2011/storyboarding/control"/>
-  </ds:schemaRefs>
-</ds:datastoreItem>
-</file>
-
-<file path=customXml/itemProps33.xml><?xml version="1.0" encoding="utf-8"?>
-<ds:datastoreItem xmlns:ds="http://schemas.openxmlformats.org/officeDocument/2006/customXml" ds:itemID="{FE651ABA-5DC1-4ABD-A06E-055AE54B337B}">
-  <ds:schemaRefs>
-    <ds:schemaRef ds:uri="http://schemas.microsoft.com/VisualStudio/2011/storyboarding/control"/>
-  </ds:schemaRefs>
-</ds:datastoreItem>
-</file>
-
-<file path=customXml/itemProps4.xml><?xml version="1.0" encoding="utf-8"?>
-<ds:datastoreItem xmlns:ds="http://schemas.openxmlformats.org/officeDocument/2006/customXml" ds:itemID="{7959CC6A-F423-4783-B968-3BCC86A7394E}">
-  <ds:schemaRefs>
-    <ds:schemaRef ds:uri="http://schemas.microsoft.com/VisualStudio/2011/storyboarding/control"/>
-  </ds:schemaRefs>
-</ds:datastoreItem>
-</file>
-
-<file path=customXml/itemProps5.xml><?xml version="1.0" encoding="utf-8"?>
-<ds:datastoreItem xmlns:ds="http://schemas.openxmlformats.org/officeDocument/2006/customXml" ds:itemID="{0282FB20-2D4C-459D-8468-77D1D3C6925D}">
-  <ds:schemaRefs>
-    <ds:schemaRef ds:uri="http://schemas.microsoft.com/VisualStudio/2011/storyboarding/control"/>
-  </ds:schemaRefs>
-</ds:datastoreItem>
-</file>
-
-<file path=customXml/itemProps6.xml><?xml version="1.0" encoding="utf-8"?>
 <ds:datastoreItem xmlns:ds="http://schemas.openxmlformats.org/officeDocument/2006/customXml" ds:itemID="{11F98F69-7518-4AE2-AE7B-E037DC9DDC97}">
   <ds:schemaRefs>
     <ds:schemaRef ds:uri="http://schemas.microsoft.com/office/2006/metadata/contentType"/>
@@ -45265,7 +45082,175 @@
 </ds:datastoreItem>
 </file>
 
-<file path=customXml/itemProps7.xml><?xml version="1.0" encoding="utf-8"?>
+<file path=customXml/itemProps15.xml><?xml version="1.0" encoding="utf-8"?>
+<ds:datastoreItem xmlns:ds="http://schemas.openxmlformats.org/officeDocument/2006/customXml" ds:itemID="{B5105A87-47B6-44F6-97FD-4619C0556604}">
+  <ds:schemaRefs>
+    <ds:schemaRef ds:uri="http://schemas.microsoft.com/VisualStudio/2011/storyboarding/control"/>
+  </ds:schemaRefs>
+</ds:datastoreItem>
+</file>
+
+<file path=customXml/itemProps16.xml><?xml version="1.0" encoding="utf-8"?>
+<ds:datastoreItem xmlns:ds="http://schemas.openxmlformats.org/officeDocument/2006/customXml" ds:itemID="{376216F9-AF6B-4844-AE8C-B9F953F916AB}">
+  <ds:schemaRefs>
+    <ds:schemaRef ds:uri="http://schemas.microsoft.com/VisualStudio/2011/storyboarding/control"/>
+  </ds:schemaRefs>
+</ds:datastoreItem>
+</file>
+
+<file path=customXml/itemProps17.xml><?xml version="1.0" encoding="utf-8"?>
+<ds:datastoreItem xmlns:ds="http://schemas.openxmlformats.org/officeDocument/2006/customXml" ds:itemID="{3DC6CABD-46E1-4C27-A0B3-616DC56F8E5C}">
+  <ds:schemaRefs>
+    <ds:schemaRef ds:uri="http://schemas.microsoft.com/VisualStudio/2011/storyboarding/control"/>
+  </ds:schemaRefs>
+</ds:datastoreItem>
+</file>
+
+<file path=customXml/itemProps18.xml><?xml version="1.0" encoding="utf-8"?>
+<ds:datastoreItem xmlns:ds="http://schemas.openxmlformats.org/officeDocument/2006/customXml" ds:itemID="{0282FB20-2D4C-459D-8468-77D1D3C6925D}">
+  <ds:schemaRefs>
+    <ds:schemaRef ds:uri="http://schemas.microsoft.com/VisualStudio/2011/storyboarding/control"/>
+  </ds:schemaRefs>
+</ds:datastoreItem>
+</file>
+
+<file path=customXml/itemProps19.xml><?xml version="1.0" encoding="utf-8"?>
+<ds:datastoreItem xmlns:ds="http://schemas.openxmlformats.org/officeDocument/2006/customXml" ds:itemID="{3C954CC5-1CAC-4EC3-9791-8630483065B9}">
+  <ds:schemaRefs>
+    <ds:schemaRef ds:uri="http://schemas.microsoft.com/VisualStudio/2011/storyboarding/control"/>
+  </ds:schemaRefs>
+</ds:datastoreItem>
+</file>
+
+<file path=customXml/itemProps2.xml><?xml version="1.0" encoding="utf-8"?>
+<ds:datastoreItem xmlns:ds="http://schemas.openxmlformats.org/officeDocument/2006/customXml" ds:itemID="{C0F92A87-A216-45A9-B9C0-0515663D35BF}">
+  <ds:schemaRefs>
+    <ds:schemaRef ds:uri="http://schemas.microsoft.com/VisualStudio/2011/storyboarding/control"/>
+  </ds:schemaRefs>
+</ds:datastoreItem>
+</file>
+
+<file path=customXml/itemProps20.xml><?xml version="1.0" encoding="utf-8"?>
+<ds:datastoreItem xmlns:ds="http://schemas.openxmlformats.org/officeDocument/2006/customXml" ds:itemID="{42D603BF-B513-4201-A599-21BA0F4FFC40}">
+  <ds:schemaRefs>
+    <ds:schemaRef ds:uri="http://schemas.microsoft.com/VisualStudio/2011/storyboarding/control"/>
+  </ds:schemaRefs>
+</ds:datastoreItem>
+</file>
+
+<file path=customXml/itemProps21.xml><?xml version="1.0" encoding="utf-8"?>
+<ds:datastoreItem xmlns:ds="http://schemas.openxmlformats.org/officeDocument/2006/customXml" ds:itemID="{C63AC2F0-1DEB-4E91-A88A-7A014A172F4F}">
+  <ds:schemaRefs>
+    <ds:schemaRef ds:uri="http://schemas.microsoft.com/VisualStudio/2011/storyboarding/control"/>
+  </ds:schemaRefs>
+</ds:datastoreItem>
+</file>
+
+<file path=customXml/itemProps22.xml><?xml version="1.0" encoding="utf-8"?>
+<ds:datastoreItem xmlns:ds="http://schemas.openxmlformats.org/officeDocument/2006/customXml" ds:itemID="{432851C6-BC05-4673-B853-6D08AB80CDC4}">
+  <ds:schemaRefs>
+    <ds:schemaRef ds:uri="http://schemas.microsoft.com/VisualStudio/2011/storyboarding/control"/>
+  </ds:schemaRefs>
+</ds:datastoreItem>
+</file>
+
+<file path=customXml/itemProps23.xml><?xml version="1.0" encoding="utf-8"?>
+<ds:datastoreItem xmlns:ds="http://schemas.openxmlformats.org/officeDocument/2006/customXml" ds:itemID="{4E805D65-1532-4BB0-8F41-8013167C0009}">
+  <ds:schemaRefs>
+    <ds:schemaRef ds:uri="http://schemas.microsoft.com/VisualStudio/2011/storyboarding/control"/>
+  </ds:schemaRefs>
+</ds:datastoreItem>
+</file>
+
+<file path=customXml/itemProps24.xml><?xml version="1.0" encoding="utf-8"?>
+<ds:datastoreItem xmlns:ds="http://schemas.openxmlformats.org/officeDocument/2006/customXml" ds:itemID="{366CA990-F93D-4100-9654-65D9E30F4E1C}">
+  <ds:schemaRefs>
+    <ds:schemaRef ds:uri="http://schemas.microsoft.com/VisualStudio/2011/storyboarding/control"/>
+  </ds:schemaRefs>
+</ds:datastoreItem>
+</file>
+
+<file path=customXml/itemProps25.xml><?xml version="1.0" encoding="utf-8"?>
+<ds:datastoreItem xmlns:ds="http://schemas.openxmlformats.org/officeDocument/2006/customXml" ds:itemID="{7959CC6A-F423-4783-B968-3BCC86A7394E}">
+  <ds:schemaRefs>
+    <ds:schemaRef ds:uri="http://schemas.microsoft.com/VisualStudio/2011/storyboarding/control"/>
+  </ds:schemaRefs>
+</ds:datastoreItem>
+</file>
+
+<file path=customXml/itemProps26.xml><?xml version="1.0" encoding="utf-8"?>
+<ds:datastoreItem xmlns:ds="http://schemas.openxmlformats.org/officeDocument/2006/customXml" ds:itemID="{4B16F4FE-7C26-4443-B426-81998D23ED87}">
+  <ds:schemaRefs>
+    <ds:schemaRef ds:uri="http://schemas.microsoft.com/VisualStudio/2011/storyboarding/control"/>
+  </ds:schemaRefs>
+</ds:datastoreItem>
+</file>
+
+<file path=customXml/itemProps27.xml><?xml version="1.0" encoding="utf-8"?>
+<ds:datastoreItem xmlns:ds="http://schemas.openxmlformats.org/officeDocument/2006/customXml" ds:itemID="{82DB428A-B8F8-483F-8276-095629A8ECDB}">
+  <ds:schemaRefs>
+    <ds:schemaRef ds:uri="http://schemas.microsoft.com/VisualStudio/2011/storyboarding/control"/>
+  </ds:schemaRefs>
+</ds:datastoreItem>
+</file>
+
+<file path=customXml/itemProps28.xml><?xml version="1.0" encoding="utf-8"?>
+<ds:datastoreItem xmlns:ds="http://schemas.openxmlformats.org/officeDocument/2006/customXml" ds:itemID="{8893E80D-6D0C-4E0F-AA22-E5615BB87E5B}">
+  <ds:schemaRefs>
+    <ds:schemaRef ds:uri="http://schemas.microsoft.com/VisualStudio/2011/storyboarding/control"/>
+  </ds:schemaRefs>
+</ds:datastoreItem>
+</file>
+
+<file path=customXml/itemProps29.xml><?xml version="1.0" encoding="utf-8"?>
+<ds:datastoreItem xmlns:ds="http://schemas.openxmlformats.org/officeDocument/2006/customXml" ds:itemID="{0B54C583-7BAB-4080-8093-C5F84F5A225A}">
+  <ds:schemaRefs>
+    <ds:schemaRef ds:uri="http://schemas.microsoft.com/VisualStudio/2011/storyboarding/control"/>
+  </ds:schemaRefs>
+</ds:datastoreItem>
+</file>
+
+<file path=customXml/itemProps3.xml><?xml version="1.0" encoding="utf-8"?>
+<ds:datastoreItem xmlns:ds="http://schemas.openxmlformats.org/officeDocument/2006/customXml" ds:itemID="{F68D8396-E21C-4AFF-8FDD-70D00673D0EE}">
+  <ds:schemaRefs>
+    <ds:schemaRef ds:uri="http://schemas.microsoft.com/VisualStudio/2011/storyboarding/control"/>
+  </ds:schemaRefs>
+</ds:datastoreItem>
+</file>
+
+<file path=customXml/itemProps30.xml><?xml version="1.0" encoding="utf-8"?>
+<ds:datastoreItem xmlns:ds="http://schemas.openxmlformats.org/officeDocument/2006/customXml" ds:itemID="{08C4EE12-DF69-4FFC-9E40-C7991F3490A6}">
+  <ds:schemaRefs>
+    <ds:schemaRef ds:uri="http://schemas.microsoft.com/VisualStudio/2011/storyboarding/control"/>
+  </ds:schemaRefs>
+</ds:datastoreItem>
+</file>
+
+<file path=customXml/itemProps31.xml><?xml version="1.0" encoding="utf-8"?>
+<ds:datastoreItem xmlns:ds="http://schemas.openxmlformats.org/officeDocument/2006/customXml" ds:itemID="{8257D6BC-B71E-4D95-81E4-A1D4A8174168}">
+  <ds:schemaRefs>
+    <ds:schemaRef ds:uri="http://schemas.microsoft.com/VisualStudio/2011/storyboarding/control"/>
+  </ds:schemaRefs>
+</ds:datastoreItem>
+</file>
+
+<file path=customXml/itemProps32.xml><?xml version="1.0" encoding="utf-8"?>
+<ds:datastoreItem xmlns:ds="http://schemas.openxmlformats.org/officeDocument/2006/customXml" ds:itemID="{6FB9D450-4C47-4A44-8C0D-C78D8A54C46F}">
+  <ds:schemaRefs>
+    <ds:schemaRef ds:uri="http://schemas.microsoft.com/VisualStudio/2011/storyboarding/control"/>
+  </ds:schemaRefs>
+</ds:datastoreItem>
+</file>
+
+<file path=customXml/itemProps33.xml><?xml version="1.0" encoding="utf-8"?>
+<ds:datastoreItem xmlns:ds="http://schemas.openxmlformats.org/officeDocument/2006/customXml" ds:itemID="{D4B5F268-5930-44CD-BDF1-D0A04D4BBC1C}">
+  <ds:schemaRefs>
+    <ds:schemaRef ds:uri="http://schemas.microsoft.com/VisualStudio/2011/storyboarding/control"/>
+  </ds:schemaRefs>
+</ds:datastoreItem>
+</file>
+
+<file path=customXml/itemProps4.xml><?xml version="1.0" encoding="utf-8"?>
 <ds:datastoreItem xmlns:ds="http://schemas.openxmlformats.org/officeDocument/2006/customXml" ds:itemID="{F990F116-B58F-4255-B05B-DA3808E0E5C6}">
   <ds:schemaRefs>
     <ds:schemaRef ds:uri="83cd2334-221a-48c3-9034-bfd1542dfe28"/>
@@ -45281,8 +45266,32 @@
 </ds:datastoreItem>
 </file>
 
+<file path=customXml/itemProps5.xml><?xml version="1.0" encoding="utf-8"?>
+<ds:datastoreItem xmlns:ds="http://schemas.openxmlformats.org/officeDocument/2006/customXml" ds:itemID="{ED350DFE-2319-4AB0-BC96-1D36D125365A}">
+  <ds:schemaRefs>
+    <ds:schemaRef ds:uri="http://schemas.microsoft.com/VisualStudio/2011/storyboarding/control"/>
+  </ds:schemaRefs>
+</ds:datastoreItem>
+</file>
+
+<file path=customXml/itemProps6.xml><?xml version="1.0" encoding="utf-8"?>
+<ds:datastoreItem xmlns:ds="http://schemas.openxmlformats.org/officeDocument/2006/customXml" ds:itemID="{D6FEE829-2115-45B4-8110-670FD454542B}">
+  <ds:schemaRefs>
+    <ds:schemaRef ds:uri="http://schemas.microsoft.com/VisualStudio/2011/storyboarding/control"/>
+  </ds:schemaRefs>
+</ds:datastoreItem>
+</file>
+
+<file path=customXml/itemProps7.xml><?xml version="1.0" encoding="utf-8"?>
+<ds:datastoreItem xmlns:ds="http://schemas.openxmlformats.org/officeDocument/2006/customXml" ds:itemID="{21F6B647-976A-41D0-B760-9DF9DFC6AE3C}">
+  <ds:schemaRefs>
+    <ds:schemaRef ds:uri="http://schemas.microsoft.com/VisualStudio/2011/storyboarding/control"/>
+  </ds:schemaRefs>
+</ds:datastoreItem>
+</file>
+
 <file path=customXml/itemProps8.xml><?xml version="1.0" encoding="utf-8"?>
-<ds:datastoreItem xmlns:ds="http://schemas.openxmlformats.org/officeDocument/2006/customXml" ds:itemID="{8257D6BC-B71E-4D95-81E4-A1D4A8174168}">
+<ds:datastoreItem xmlns:ds="http://schemas.openxmlformats.org/officeDocument/2006/customXml" ds:itemID="{FE651ABA-5DC1-4ABD-A06E-055AE54B337B}">
   <ds:schemaRefs>
     <ds:schemaRef ds:uri="http://schemas.microsoft.com/VisualStudio/2011/storyboarding/control"/>
   </ds:schemaRefs>
@@ -45290,7 +45299,7 @@
 </file>
 
 <file path=customXml/itemProps9.xml><?xml version="1.0" encoding="utf-8"?>
-<ds:datastoreItem xmlns:ds="http://schemas.openxmlformats.org/officeDocument/2006/customXml" ds:itemID="{4B16F4FE-7C26-4443-B426-81998D23ED87}">
+<ds:datastoreItem xmlns:ds="http://schemas.openxmlformats.org/officeDocument/2006/customXml" ds:itemID="{38217AA1-CC95-49A9-B284-2ED4D347D7CA}">
   <ds:schemaRefs>
     <ds:schemaRef ds:uri="http://schemas.microsoft.com/VisualStudio/2011/storyboarding/control"/>
   </ds:schemaRefs>

--- a/Slides/8 - Backchannel.pptx
+++ b/Slides/8 - Backchannel.pptx
@@ -281,7 +281,7 @@
               <a:rPr lang="en-US" smtClean="0">
                 <a:latin typeface="Segoe UI" pitchFamily="34" charset="0"/>
               </a:rPr>
-              <a:t>6/13/2017 9:50 AM</a:t>
+              <a:t>6/13/2017 3:39 PM</a:t>
             </a:fld>
             <a:endParaRPr lang="en-US" dirty="0">
               <a:latin typeface="Segoe UI" pitchFamily="34" charset="0"/>
@@ -559,7 +559,7 @@
           <a:p>
             <a:fld id="{38EEC551-8CDA-4EB6-89BB-2A86C9F091C8}" type="datetime8">
               <a:rPr lang="en-US" smtClean="0"/>
-              <a:t>6/13/2017 9:49 AM</a:t>
+              <a:t>6/13/2017 3:39 PM</a:t>
             </a:fld>
             <a:endParaRPr lang="en-US" dirty="0"/>
           </a:p>
@@ -39264,8 +39264,8 @@
           </a:p>
         </p:txBody>
       </p:sp>
-      <mc:AlternateContent xmlns:mc="http://schemas.openxmlformats.org/markup-compatibility/2006">
-        <mc:Choice xmlns:we="http://schemas.microsoft.com/office/webextensions/webextension/2010/11" xmlns:pca="http://schemas.microsoft.com/office/powerpoint/2013/contentapp" Requires="we pca">
+      <mc:AlternateContent xmlns:mc="http://schemas.openxmlformats.org/markup-compatibility/2006" xmlns:we="http://schemas.microsoft.com/office/webextensions/webextension/2010/11" xmlns:pca="http://schemas.microsoft.com/office/powerpoint/2013/contentapp">
+        <mc:Choice Requires="we pca">
           <p:graphicFrame>
             <p:nvGraphicFramePr>
               <p:cNvPr id="4" name="Add-in 3" title="Code Presenter Pro"/>
@@ -39291,7 +39291,7 @@
             </a:graphic>
           </p:graphicFrame>
         </mc:Choice>
-        <mc:Fallback>
+        <mc:Fallback xmlns="">
           <p:pic>
             <p:nvPicPr>
               <p:cNvPr id="4" name="Add-in 3" title="Code Presenter Pro"/>
@@ -39632,9 +39632,10 @@
           </a:p>
           <a:p>
             <a:r>
-              <a:rPr lang="en-US" dirty="0"/>
-              <a:t>Kick</a:t>
+              <a:rPr lang="en-US" dirty="0" err="1"/>
+              <a:t>Kik</a:t>
             </a:r>
+            <a:endParaRPr lang="en-US" dirty="0"/>
           </a:p>
           <a:p>
             <a:r>
@@ -39693,8 +39694,8 @@
           <a:lstStyle/>
           <a:p>
             <a:r>
-              <a:rPr lang="en-US" dirty="0"/>
-              <a:t>What happens if you just want to embed a bot into a website?</a:t>
+              <a:rPr lang="en-US" sz="3600" dirty="0"/>
+              <a:t>What happens if you just want to embed a bot in a website?</a:t>
             </a:r>
           </a:p>
         </p:txBody>
@@ -40270,16 +40271,12 @@
           <a:lstStyle/>
           <a:p>
             <a:r>
-              <a:rPr lang="en-US" dirty="0"/>
-              <a:t>Allow </a:t>
-            </a:r>
-            <a:r>
               <a:rPr lang="en-US" dirty="0" err="1"/>
               <a:t>WebChat</a:t>
             </a:r>
             <a:r>
               <a:rPr lang="en-US" dirty="0"/>
-              <a:t> to communicate with the host</a:t>
+              <a:t> to host communications</a:t>
             </a:r>
           </a:p>
         </p:txBody>
@@ -40306,12 +40303,6 @@
           <a:p>
             <a:r>
               <a:rPr lang="en-US" dirty="0"/>
-              <a:t>Guided human support</a:t>
-            </a:r>
-          </a:p>
-          <a:p>
-            <a:r>
-              <a:rPr lang="en-US" dirty="0"/>
               <a:t>Truly embedded experience</a:t>
             </a:r>
           </a:p>
@@ -40325,6 +40316,12 @@
             <a:r>
               <a:rPr lang="en-US" dirty="0"/>
               <a:t>Share a data store</a:t>
+            </a:r>
+          </a:p>
+          <a:p>
+            <a:r>
+              <a:rPr lang="en-US" dirty="0"/>
+              <a:t>Guided human support</a:t>
             </a:r>
           </a:p>
         </p:txBody>
@@ -43463,7 +43460,7 @@
         <p:spPr>
           <a:xfrm>
             <a:off x="365760" y="1371600"/>
-            <a:ext cx="11704320" cy="1745093"/>
+            <a:ext cx="11704320" cy="2209836"/>
           </a:xfrm>
         </p:spPr>
         <p:txBody>
@@ -43517,6 +43514,22 @@
             <a:r>
               <a:rPr lang="en-US" dirty="0"/>
               <a:t>Send </a:t>
+            </a:r>
+            <a:r>
+              <a:rPr lang="en-US" dirty="0">
+                <a:latin typeface="Consolas" panose="020B0609020204030204" pitchFamily="49" charset="0"/>
+              </a:rPr>
+              <a:t>event</a:t>
+            </a:r>
+            <a:r>
+              <a:rPr lang="en-US" dirty="0"/>
+              <a:t> activities</a:t>
+            </a:r>
+          </a:p>
+          <a:p>
+            <a:r>
+              <a:rPr lang="en-US" dirty="0"/>
+              <a:t>Add code to bot to send/receive </a:t>
             </a:r>
             <a:r>
               <a:rPr lang="en-US" dirty="0">
@@ -44665,11 +44678,89 @@
 
 <file path=customXml/item1.xml><?xml version="1.0" encoding="utf-8"?>
 <Control xmlns="http://schemas.microsoft.com/VisualStudio/2011/storyboarding/control">
+  <Id Name="d69996e1-3d61-4686-9b63-f1b855c596ab" Revision="1" Stencil="7276b9ef-3953-4dce-a89b-ed85f20b8b93" StencilVersion="1.0"/>
+</Control>
+</file>
+
+<file path=customXml/item10.xml><?xml version="1.0" encoding="utf-8"?>
+<Control xmlns="http://schemas.microsoft.com/VisualStudio/2011/storyboarding/control">
+  <Id Name="fb22c541-ded0-47fa-8877-83a4c2d16227" Revision="1" Stencil="7276b9ef-3953-4dce-a89b-ed85f20b8b93" StencilVersion="1.0"/>
+</Control>
+</file>
+
+<file path=customXml/item11.xml><?xml version="1.0" encoding="utf-8"?>
+<Control xmlns="http://schemas.microsoft.com/VisualStudio/2011/storyboarding/control">
+  <Id Name="369f9055-6b6c-48b9-9320-5df2d46c430a" Revision="1" Stencil="7276b9ef-3953-4dce-a89b-ed85f20b8b93" StencilVersion="1.0"/>
+</Control>
+</file>
+
+<file path=customXml/item12.xml><?xml version="1.0" encoding="utf-8"?>
+<Control xmlns="http://schemas.microsoft.com/VisualStudio/2011/storyboarding/control">
   <Id Name="a2191c86-fc50-4add-948c-129f6b5a88d8" Revision="1" Stencil="7276b9ef-3953-4dce-a89b-ed85f20b8b93" StencilVersion="1.0"/>
 </Control>
 </file>
 
-<file path=customXml/item10.xml><?xml version="1.0" encoding="utf-8"?>
+<file path=customXml/item13.xml><?xml version="1.0" encoding="utf-8"?>
+<Control xmlns="http://schemas.microsoft.com/VisualStudio/2011/storyboarding/control">
+  <Id Name="a2191c86-fc50-4add-948c-129f6b5a88d8" Revision="1" Stencil="7276b9ef-3953-4dce-a89b-ed85f20b8b93" StencilVersion="1.0"/>
+</Control>
+</file>
+
+<file path=customXml/item14.xml><?xml version="1.0" encoding="utf-8"?>
+<Control xmlns="http://schemas.microsoft.com/VisualStudio/2011/storyboarding/control">
+  <Id Name="fb22c541-ded0-47fa-8877-83a4c2d16227" Revision="1" Stencil="7276b9ef-3953-4dce-a89b-ed85f20b8b93" StencilVersion="1.0"/>
+</Control>
+</file>
+
+<file path=customXml/item15.xml><?xml version="1.0" encoding="utf-8"?>
+<Control xmlns="http://schemas.microsoft.com/VisualStudio/2011/storyboarding/control">
+  <Id Name="fb22c541-ded0-47fa-8877-83a4c2d16227" Revision="1" Stencil="7276b9ef-3953-4dce-a89b-ed85f20b8b93" StencilVersion="1.0"/>
+</Control>
+</file>
+
+<file path=customXml/item16.xml><?xml version="1.0" encoding="utf-8"?>
+<Control xmlns="http://schemas.microsoft.com/VisualStudio/2011/storyboarding/control">
+  <Id Name="d69996e1-3d61-4686-9b63-f1b855c596ab" Revision="1" Stencil="7276b9ef-3953-4dce-a89b-ed85f20b8b93" StencilVersion="1.0"/>
+</Control>
+</file>
+
+<file path=customXml/item17.xml><?xml version="1.0" encoding="utf-8"?>
+<Control xmlns="http://schemas.microsoft.com/VisualStudio/2011/storyboarding/control">
+  <Id Name="a53d73d2-368b-429e-b817-1324eec1382c" Revision="1" Stencil="7276b9ef-3953-4dce-a89b-ed85f20b8b93" StencilVersion="1.0"/>
+</Control>
+</file>
+
+<file path=customXml/item18.xml><?xml version="1.0" encoding="utf-8"?>
+<Control xmlns="http://schemas.microsoft.com/VisualStudio/2011/storyboarding/control">
+  <Id Name="a53d73d2-368b-429e-b817-1324eec1382c" Revision="1" Stencil="7276b9ef-3953-4dce-a89b-ed85f20b8b93" StencilVersion="1.0"/>
+</Control>
+</file>
+
+<file path=customXml/item19.xml><?xml version="1.0" encoding="utf-8"?>
+<Control xmlns="http://schemas.microsoft.com/VisualStudio/2011/storyboarding/control">
+  <Id Name="fb22c541-ded0-47fa-8877-83a4c2d16227" Revision="1" Stencil="7276b9ef-3953-4dce-a89b-ed85f20b8b93" StencilVersion="1.0"/>
+</Control>
+</file>
+
+<file path=customXml/item2.xml><?xml version="1.0" encoding="utf-8"?>
+<Control xmlns="http://schemas.microsoft.com/VisualStudio/2011/storyboarding/control">
+  <Id Name="a2191c86-fc50-4add-948c-129f6b5a88d8" Revision="1" Stencil="7276b9ef-3953-4dce-a89b-ed85f20b8b93" StencilVersion="1.0"/>
+</Control>
+</file>
+
+<file path=customXml/item20.xml><?xml version="1.0" encoding="utf-8"?>
+<Control xmlns="http://schemas.microsoft.com/VisualStudio/2011/storyboarding/control">
+  <Id Name="a53d73d2-368b-429e-b817-1324eec1382c" Revision="1" Stencil="7276b9ef-3953-4dce-a89b-ed85f20b8b93" StencilVersion="1.0"/>
+</Control>
+</file>
+
+<file path=customXml/item21.xml><?xml version="1.0" encoding="utf-8"?>
+<Control xmlns="http://schemas.microsoft.com/VisualStudio/2011/storyboarding/control">
+  <Id Name="a53d73d2-368b-429e-b817-1324eec1382c" Revision="1" Stencil="7276b9ef-3953-4dce-a89b-ed85f20b8b93" StencilVersion="1.0"/>
+</Control>
+</file>
+
+<file path=customXml/item22.xml><?xml version="1.0" encoding="utf-8"?>
 <?mso-contentType ?>
 <FormTemplates xmlns="http://schemas.microsoft.com/sharepoint/v3/contenttype/forms">
   <Display>DocumentLibraryForm</Display>
@@ -44678,25 +44769,49 @@
 </FormTemplates>
 </file>
 
-<file path=customXml/item11.xml><?xml version="1.0" encoding="utf-8"?>
+<file path=customXml/item23.xml><?xml version="1.0" encoding="utf-8"?>
 <Control xmlns="http://schemas.microsoft.com/VisualStudio/2011/storyboarding/control">
-  <Id Name="fb22c541-ded0-47fa-8877-83a4c2d16227" Revision="1" Stencil="7276b9ef-3953-4dce-a89b-ed85f20b8b93" StencilVersion="1.0"/>
+  <Id Name="a2191c86-fc50-4add-948c-129f6b5a88d8" Revision="1" Stencil="7276b9ef-3953-4dce-a89b-ed85f20b8b93" StencilVersion="1.0"/>
 </Control>
 </file>
 
-<file path=customXml/item12.xml><?xml version="1.0" encoding="utf-8"?>
+<file path=customXml/item24.xml><?xml version="1.0" encoding="utf-8"?>
 <Control xmlns="http://schemas.microsoft.com/VisualStudio/2011/storyboarding/control">
-  <Id Name="d69996e1-3d61-4686-9b63-f1b855c596ab" Revision="1" Stencil="7276b9ef-3953-4dce-a89b-ed85f20b8b93" StencilVersion="1.0"/>
+  <Id Name="a2191c86-fc50-4add-948c-129f6b5a88d8" Revision="1" Stencil="7276b9ef-3953-4dce-a89b-ed85f20b8b93" StencilVersion="1.0"/>
 </Control>
 </file>
 
-<file path=customXml/item13.xml><?xml version="1.0" encoding="utf-8"?>
+<file path=customXml/item25.xml><?xml version="1.0" encoding="utf-8"?>
+<p:properties xmlns:p="http://schemas.microsoft.com/office/2006/metadata/properties" xmlns:xsi="http://www.w3.org/2001/XMLSchema-instance" xmlns:pc="http://schemas.microsoft.com/office/infopath/2007/PartnerControls">
+  <documentManagement>
+    <SharedWithUsers xmlns="83cd2334-221a-48c3-9034-bfd1542dfe28">
+      <UserInfo>
+        <DisplayName>Gilad Turbahn</DisplayName>
+        <AccountId>511</AccountId>
+        <AccountType/>
+      </UserInfo>
+      <UserInfo>
+        <DisplayName>Keith Boyd</DisplayName>
+        <AccountId>993</AccountId>
+        <AccountType/>
+      </UserInfo>
+      <UserInfo>
+        <DisplayName>Christopher Harrison</DisplayName>
+        <AccountId>1176</AccountId>
+        <AccountType/>
+      </UserInfo>
+    </SharedWithUsers>
+  </documentManagement>
+</p:properties>
+</file>
+
+<file path=customXml/item26.xml><?xml version="1.0" encoding="utf-8"?>
 <Control xmlns="http://schemas.microsoft.com/VisualStudio/2011/storyboarding/control">
-  <Id Name="fb22c541-ded0-47fa-8877-83a4c2d16227" Revision="1" Stencil="7276b9ef-3953-4dce-a89b-ed85f20b8b93" StencilVersion="1.0"/>
+  <Id Name="369f9055-6b6c-48b9-9320-5df2d46c430a" Revision="1" Stencil="7276b9ef-3953-4dce-a89b-ed85f20b8b93" StencilVersion="1.0"/>
 </Control>
 </file>
 
-<file path=customXml/item14.xml><?xml version="1.0" encoding="utf-8"?>
+<file path=customXml/item27.xml><?xml version="1.0" encoding="utf-8"?>
 <ct:contentTypeSchema xmlns:ct="http://schemas.microsoft.com/office/2006/metadata/contentType" xmlns:ma="http://schemas.microsoft.com/office/2006/metadata/properties/metaAttributes" ct:_="" ma:_="" ma:contentTypeName="Document" ma:contentTypeID="0x010100674EDBEC711BD14FBA6FF5C10FEFEAC7" ma:contentTypeVersion="2" ma:contentTypeDescription="Create a new document." ma:contentTypeScope="" ma:versionID="2439c5e21841780d4f192983b535a097">
   <xsd:schema xmlns:xsd="http://www.w3.org/2001/XMLSchema" xmlns:xs="http://www.w3.org/2001/XMLSchema" xmlns:p="http://schemas.microsoft.com/office/2006/metadata/properties" xmlns:ns2="83cd2334-221a-48c3-9034-bfd1542dfe28" targetNamespace="http://schemas.microsoft.com/office/2006/metadata/properties" ma:root="true" ma:fieldsID="2bca9163d8d0b233c3086236a9289b04" ns2:_="">
     <xsd:import namespace="83cd2334-221a-48c3-9034-bfd1542dfe28"/>
@@ -44844,105 +44959,21 @@
 </ct:contentTypeSchema>
 </file>
 
-<file path=customXml/item15.xml><?xml version="1.0" encoding="utf-8"?>
+<file path=customXml/item28.xml><?xml version="1.0" encoding="utf-8"?>
 <Control xmlns="http://schemas.microsoft.com/VisualStudio/2011/storyboarding/control">
   <Id Name="fb22c541-ded0-47fa-8877-83a4c2d16227" Revision="1" Stencil="7276b9ef-3953-4dce-a89b-ed85f20b8b93" StencilVersion="1.0"/>
 </Control>
 </file>
 
-<file path=customXml/item16.xml><?xml version="1.0" encoding="utf-8"?>
-<Control xmlns="http://schemas.microsoft.com/VisualStudio/2011/storyboarding/control">
-  <Id Name="fb22c541-ded0-47fa-8877-83a4c2d16227" Revision="1" Stencil="7276b9ef-3953-4dce-a89b-ed85f20b8b93" StencilVersion="1.0"/>
-</Control>
-</file>
-
-<file path=customXml/item17.xml><?xml version="1.0" encoding="utf-8"?>
-<Control xmlns="http://schemas.microsoft.com/VisualStudio/2011/storyboarding/control">
-  <Id Name="d69996e1-3d61-4686-9b63-f1b855c596ab" Revision="1" Stencil="7276b9ef-3953-4dce-a89b-ed85f20b8b93" StencilVersion="1.0"/>
-</Control>
-</file>
-
-<file path=customXml/item18.xml><?xml version="1.0" encoding="utf-8"?>
-<Control xmlns="http://schemas.microsoft.com/VisualStudio/2011/storyboarding/control">
-  <Id Name="d69996e1-3d61-4686-9b63-f1b855c596ab" Revision="1" Stencil="7276b9ef-3953-4dce-a89b-ed85f20b8b93" StencilVersion="1.0"/>
-</Control>
-</file>
-
-<file path=customXml/item19.xml><?xml version="1.0" encoding="utf-8"?>
-<Control xmlns="http://schemas.microsoft.com/VisualStudio/2011/storyboarding/control">
-  <Id Name="a2191c86-fc50-4add-948c-129f6b5a88d8" Revision="1" Stencil="7276b9ef-3953-4dce-a89b-ed85f20b8b93" StencilVersion="1.0"/>
-</Control>
-</file>
-
-<file path=customXml/item2.xml><?xml version="1.0" encoding="utf-8"?>
-<Control xmlns="http://schemas.microsoft.com/VisualStudio/2011/storyboarding/control">
-  <Id Name="d69996e1-3d61-4686-9b63-f1b855c596ab" Revision="1" Stencil="7276b9ef-3953-4dce-a89b-ed85f20b8b93" StencilVersion="1.0"/>
-</Control>
-</file>
-
-<file path=customXml/item20.xml><?xml version="1.0" encoding="utf-8"?>
+<file path=customXml/item29.xml><?xml version="1.0" encoding="utf-8"?>
 <Control xmlns="http://schemas.microsoft.com/VisualStudio/2011/storyboarding/control">
   <Id Name="369f9055-6b6c-48b9-9320-5df2d46c430a" Revision="1" Stencil="7276b9ef-3953-4dce-a89b-ed85f20b8b93" StencilVersion="1.0"/>
 </Control>
 </file>
 
-<file path=customXml/item21.xml><?xml version="1.0" encoding="utf-8"?>
+<file path=customXml/item3.xml><?xml version="1.0" encoding="utf-8"?>
 <Control xmlns="http://schemas.microsoft.com/VisualStudio/2011/storyboarding/control">
   <Id Name="d69996e1-3d61-4686-9b63-f1b855c596ab" Revision="1" Stencil="7276b9ef-3953-4dce-a89b-ed85f20b8b93" StencilVersion="1.0"/>
-</Control>
-</file>
-
-<file path=customXml/item22.xml><?xml version="1.0" encoding="utf-8"?>
-<Control xmlns="http://schemas.microsoft.com/VisualStudio/2011/storyboarding/control">
-  <Id Name="fb22c541-ded0-47fa-8877-83a4c2d16227" Revision="1" Stencil="7276b9ef-3953-4dce-a89b-ed85f20b8b93" StencilVersion="1.0"/>
-</Control>
-</file>
-
-<file path=customXml/item23.xml><?xml version="1.0" encoding="utf-8"?>
-<Control xmlns="http://schemas.microsoft.com/VisualStudio/2011/storyboarding/control">
-  <Id Name="a53d73d2-368b-429e-b817-1324eec1382c" Revision="1" Stencil="7276b9ef-3953-4dce-a89b-ed85f20b8b93" StencilVersion="1.0"/>
-</Control>
-</file>
-
-<file path=customXml/item24.xml><?xml version="1.0" encoding="utf-8"?>
-<Control xmlns="http://schemas.microsoft.com/VisualStudio/2011/storyboarding/control">
-  <Id Name="d69996e1-3d61-4686-9b63-f1b855c596ab" Revision="1" Stencil="7276b9ef-3953-4dce-a89b-ed85f20b8b93" StencilVersion="1.0"/>
-</Control>
-</file>
-
-<file path=customXml/item25.xml><?xml version="1.0" encoding="utf-8"?>
-<Control xmlns="http://schemas.microsoft.com/VisualStudio/2011/storyboarding/control">
-  <Id Name="369f9055-6b6c-48b9-9320-5df2d46c430a" Revision="1" Stencil="7276b9ef-3953-4dce-a89b-ed85f20b8b93" StencilVersion="1.0"/>
-</Control>
-</file>
-
-<file path=customXml/item26.xml><?xml version="1.0" encoding="utf-8"?>
-<Control xmlns="http://schemas.microsoft.com/VisualStudio/2011/storyboarding/control">
-  <Id Name="a2191c86-fc50-4add-948c-129f6b5a88d8" Revision="1" Stencil="7276b9ef-3953-4dce-a89b-ed85f20b8b93" StencilVersion="1.0"/>
-</Control>
-</file>
-
-<file path=customXml/item27.xml><?xml version="1.0" encoding="utf-8"?>
-<Control xmlns="http://schemas.microsoft.com/VisualStudio/2011/storyboarding/control">
-  <Id Name="369f9055-6b6c-48b9-9320-5df2d46c430a" Revision="1" Stencil="7276b9ef-3953-4dce-a89b-ed85f20b8b93" StencilVersion="1.0"/>
-</Control>
-</file>
-
-<file path=customXml/item28.xml><?xml version="1.0" encoding="utf-8"?>
-<Control xmlns="http://schemas.microsoft.com/VisualStudio/2011/storyboarding/control">
-  <Id Name="a53d73d2-368b-429e-b817-1324eec1382c" Revision="1" Stencil="7276b9ef-3953-4dce-a89b-ed85f20b8b93" StencilVersion="1.0"/>
-</Control>
-</file>
-
-<file path=customXml/item29.xml><?xml version="1.0" encoding="utf-8"?>
-<Control xmlns="http://schemas.microsoft.com/VisualStudio/2011/storyboarding/control">
-  <Id Name="a2191c86-fc50-4add-948c-129f6b5a88d8" Revision="1" Stencil="7276b9ef-3953-4dce-a89b-ed85f20b8b93" StencilVersion="1.0"/>
-</Control>
-</file>
-
-<file path=customXml/item3.xml><?xml version="1.0" encoding="utf-8"?>
-<Control xmlns="http://schemas.microsoft.com/VisualStudio/2011/storyboarding/control">
-  <Id Name="a53d73d2-368b-429e-b817-1324eec1382c" Revision="1" Stencil="7276b9ef-3953-4dce-a89b-ed85f20b8b93" StencilVersion="1.0"/>
 </Control>
 </file>
 
@@ -44954,7 +44985,7 @@
 
 <file path=customXml/item31.xml><?xml version="1.0" encoding="utf-8"?>
 <Control xmlns="http://schemas.microsoft.com/VisualStudio/2011/storyboarding/control">
-  <Id Name="a2191c86-fc50-4add-948c-129f6b5a88d8" Revision="1" Stencil="7276b9ef-3953-4dce-a89b-ed85f20b8b93" StencilVersion="1.0"/>
+  <Id Name="369f9055-6b6c-48b9-9320-5df2d46c430a" Revision="1" Stencil="7276b9ef-3953-4dce-a89b-ed85f20b8b93" StencilVersion="1.0"/>
 </Control>
 </file>
 
@@ -44966,65 +44997,79 @@
 
 <file path=customXml/item33.xml><?xml version="1.0" encoding="utf-8"?>
 <Control xmlns="http://schemas.microsoft.com/VisualStudio/2011/storyboarding/control">
-  <Id Name="a2191c86-fc50-4add-948c-129f6b5a88d8" Revision="1" Stencil="7276b9ef-3953-4dce-a89b-ed85f20b8b93" StencilVersion="1.0"/>
+  <Id Name="fb22c541-ded0-47fa-8877-83a4c2d16227" Revision="1" Stencil="7276b9ef-3953-4dce-a89b-ed85f20b8b93" StencilVersion="1.0"/>
 </Control>
 </file>
 
 <file path=customXml/item4.xml><?xml version="1.0" encoding="utf-8"?>
-<p:properties xmlns:p="http://schemas.microsoft.com/office/2006/metadata/properties" xmlns:xsi="http://www.w3.org/2001/XMLSchema-instance" xmlns:pc="http://schemas.microsoft.com/office/infopath/2007/PartnerControls">
-  <documentManagement>
-    <SharedWithUsers xmlns="83cd2334-221a-48c3-9034-bfd1542dfe28">
-      <UserInfo>
-        <DisplayName>Gilad Turbahn</DisplayName>
-        <AccountId>511</AccountId>
-        <AccountType/>
-      </UserInfo>
-      <UserInfo>
-        <DisplayName>Keith Boyd</DisplayName>
-        <AccountId>993</AccountId>
-        <AccountType/>
-      </UserInfo>
-      <UserInfo>
-        <DisplayName>Christopher Harrison</DisplayName>
-        <AccountId>1176</AccountId>
-        <AccountType/>
-      </UserInfo>
-    </SharedWithUsers>
-  </documentManagement>
-</p:properties>
-</file>
-
-<file path=customXml/item5.xml><?xml version="1.0" encoding="utf-8"?>
 <Control xmlns="http://schemas.microsoft.com/VisualStudio/2011/storyboarding/control">
   <Id Name="a53d73d2-368b-429e-b817-1324eec1382c" Revision="1" Stencil="7276b9ef-3953-4dce-a89b-ed85f20b8b93" StencilVersion="1.0"/>
 </Control>
 </file>
 
+<file path=customXml/item5.xml><?xml version="1.0" encoding="utf-8"?>
+<Control xmlns="http://schemas.microsoft.com/VisualStudio/2011/storyboarding/control">
+  <Id Name="d69996e1-3d61-4686-9b63-f1b855c596ab" Revision="1" Stencil="7276b9ef-3953-4dce-a89b-ed85f20b8b93" StencilVersion="1.0"/>
+</Control>
+</file>
+
 <file path=customXml/item6.xml><?xml version="1.0" encoding="utf-8"?>
 <Control xmlns="http://schemas.microsoft.com/VisualStudio/2011/storyboarding/control">
-  <Id Name="fb22c541-ded0-47fa-8877-83a4c2d16227" Revision="1" Stencil="7276b9ef-3953-4dce-a89b-ed85f20b8b93" StencilVersion="1.0"/>
+  <Id Name="d69996e1-3d61-4686-9b63-f1b855c596ab" Revision="1" Stencil="7276b9ef-3953-4dce-a89b-ed85f20b8b93" StencilVersion="1.0"/>
 </Control>
 </file>
 
 <file path=customXml/item7.xml><?xml version="1.0" encoding="utf-8"?>
 <Control xmlns="http://schemas.microsoft.com/VisualStudio/2011/storyboarding/control">
-  <Id Name="a53d73d2-368b-429e-b817-1324eec1382c" Revision="1" Stencil="7276b9ef-3953-4dce-a89b-ed85f20b8b93" StencilVersion="1.0"/>
+  <Id Name="369f9055-6b6c-48b9-9320-5df2d46c430a" Revision="1" Stencil="7276b9ef-3953-4dce-a89b-ed85f20b8b93" StencilVersion="1.0"/>
 </Control>
 </file>
 
 <file path=customXml/item8.xml><?xml version="1.0" encoding="utf-8"?>
 <Control xmlns="http://schemas.microsoft.com/VisualStudio/2011/storyboarding/control">
-  <Id Name="369f9055-6b6c-48b9-9320-5df2d46c430a" Revision="1" Stencil="7276b9ef-3953-4dce-a89b-ed85f20b8b93" StencilVersion="1.0"/>
+  <Id Name="a2191c86-fc50-4add-948c-129f6b5a88d8" Revision="1" Stencil="7276b9ef-3953-4dce-a89b-ed85f20b8b93" StencilVersion="1.0"/>
 </Control>
 </file>
 
 <file path=customXml/item9.xml><?xml version="1.0" encoding="utf-8"?>
 <Control xmlns="http://schemas.microsoft.com/VisualStudio/2011/storyboarding/control">
-  <Id Name="369f9055-6b6c-48b9-9320-5df2d46c430a" Revision="1" Stencil="7276b9ef-3953-4dce-a89b-ed85f20b8b93" StencilVersion="1.0"/>
+  <Id Name="d69996e1-3d61-4686-9b63-f1b855c596ab" Revision="1" Stencil="7276b9ef-3953-4dce-a89b-ed85f20b8b93" StencilVersion="1.0"/>
 </Control>
 </file>
 
 <file path=customXml/itemProps1.xml><?xml version="1.0" encoding="utf-8"?>
+<ds:datastoreItem xmlns:ds="http://schemas.openxmlformats.org/officeDocument/2006/customXml" ds:itemID="{0282FB20-2D4C-459D-8468-77D1D3C6925D}">
+  <ds:schemaRefs>
+    <ds:schemaRef ds:uri="http://schemas.microsoft.com/VisualStudio/2011/storyboarding/control"/>
+  </ds:schemaRefs>
+</ds:datastoreItem>
+</file>
+
+<file path=customXml/itemProps10.xml><?xml version="1.0" encoding="utf-8"?>
+<ds:datastoreItem xmlns:ds="http://schemas.openxmlformats.org/officeDocument/2006/customXml" ds:itemID="{376216F9-AF6B-4844-AE8C-B9F953F916AB}">
+  <ds:schemaRefs>
+    <ds:schemaRef ds:uri="http://schemas.microsoft.com/VisualStudio/2011/storyboarding/control"/>
+  </ds:schemaRefs>
+</ds:datastoreItem>
+</file>
+
+<file path=customXml/itemProps11.xml><?xml version="1.0" encoding="utf-8"?>
+<ds:datastoreItem xmlns:ds="http://schemas.openxmlformats.org/officeDocument/2006/customXml" ds:itemID="{42D603BF-B513-4201-A599-21BA0F4FFC40}">
+  <ds:schemaRefs>
+    <ds:schemaRef ds:uri="http://schemas.microsoft.com/VisualStudio/2011/storyboarding/control"/>
+  </ds:schemaRefs>
+</ds:datastoreItem>
+</file>
+
+<file path=customXml/itemProps12.xml><?xml version="1.0" encoding="utf-8"?>
+<ds:datastoreItem xmlns:ds="http://schemas.openxmlformats.org/officeDocument/2006/customXml" ds:itemID="{0B54C583-7BAB-4080-8093-C5F84F5A225A}">
+  <ds:schemaRefs>
+    <ds:schemaRef ds:uri="http://schemas.microsoft.com/VisualStudio/2011/storyboarding/control"/>
+  </ds:schemaRefs>
+</ds:datastoreItem>
+</file>
+
+<file path=customXml/itemProps13.xml><?xml version="1.0" encoding="utf-8"?>
 <ds:datastoreItem xmlns:ds="http://schemas.openxmlformats.org/officeDocument/2006/customXml" ds:itemID="{8BD595CA-AC5E-43B9-B966-E468A16E8322}">
   <ds:schemaRefs>
     <ds:schemaRef ds:uri="http://schemas.microsoft.com/VisualStudio/2011/storyboarding/control"/>
@@ -45032,7 +45077,79 @@
 </ds:datastoreItem>
 </file>
 
-<file path=customXml/itemProps10.xml><?xml version="1.0" encoding="utf-8"?>
+<file path=customXml/itemProps14.xml><?xml version="1.0" encoding="utf-8"?>
+<ds:datastoreItem xmlns:ds="http://schemas.openxmlformats.org/officeDocument/2006/customXml" ds:itemID="{D6FEE829-2115-45B4-8110-670FD454542B}">
+  <ds:schemaRefs>
+    <ds:schemaRef ds:uri="http://schemas.microsoft.com/VisualStudio/2011/storyboarding/control"/>
+  </ds:schemaRefs>
+</ds:datastoreItem>
+</file>
+
+<file path=customXml/itemProps15.xml><?xml version="1.0" encoding="utf-8"?>
+<ds:datastoreItem xmlns:ds="http://schemas.openxmlformats.org/officeDocument/2006/customXml" ds:itemID="{4C1B3C27-4803-4D72-A3F8-6668A3F0A24B}">
+  <ds:schemaRefs>
+    <ds:schemaRef ds:uri="http://schemas.microsoft.com/VisualStudio/2011/storyboarding/control"/>
+  </ds:schemaRefs>
+</ds:datastoreItem>
+</file>
+
+<file path=customXml/itemProps16.xml><?xml version="1.0" encoding="utf-8"?>
+<ds:datastoreItem xmlns:ds="http://schemas.openxmlformats.org/officeDocument/2006/customXml" ds:itemID="{366CA990-F93D-4100-9654-65D9E30F4E1C}">
+  <ds:schemaRefs>
+    <ds:schemaRef ds:uri="http://schemas.microsoft.com/VisualStudio/2011/storyboarding/control"/>
+  </ds:schemaRefs>
+</ds:datastoreItem>
+</file>
+
+<file path=customXml/itemProps17.xml><?xml version="1.0" encoding="utf-8"?>
+<ds:datastoreItem xmlns:ds="http://schemas.openxmlformats.org/officeDocument/2006/customXml" ds:itemID="{6FB9D450-4C47-4A44-8C0D-C78D8A54C46F}">
+  <ds:schemaRefs>
+    <ds:schemaRef ds:uri="http://schemas.microsoft.com/VisualStudio/2011/storyboarding/control"/>
+  </ds:schemaRefs>
+</ds:datastoreItem>
+</file>
+
+<file path=customXml/itemProps18.xml><?xml version="1.0" encoding="utf-8"?>
+<ds:datastoreItem xmlns:ds="http://schemas.openxmlformats.org/officeDocument/2006/customXml" ds:itemID="{ED350DFE-2319-4AB0-BC96-1D36D125365A}">
+  <ds:schemaRefs>
+    <ds:schemaRef ds:uri="http://schemas.microsoft.com/VisualStudio/2011/storyboarding/control"/>
+  </ds:schemaRefs>
+</ds:datastoreItem>
+</file>
+
+<file path=customXml/itemProps19.xml><?xml version="1.0" encoding="utf-8"?>
+<ds:datastoreItem xmlns:ds="http://schemas.openxmlformats.org/officeDocument/2006/customXml" ds:itemID="{B5105A87-47B6-44F6-97FD-4619C0556604}">
+  <ds:schemaRefs>
+    <ds:schemaRef ds:uri="http://schemas.microsoft.com/VisualStudio/2011/storyboarding/control"/>
+  </ds:schemaRefs>
+</ds:datastoreItem>
+</file>
+
+<file path=customXml/itemProps2.xml><?xml version="1.0" encoding="utf-8"?>
+<ds:datastoreItem xmlns:ds="http://schemas.openxmlformats.org/officeDocument/2006/customXml" ds:itemID="{4B16F4FE-7C26-4443-B426-81998D23ED87}">
+  <ds:schemaRefs>
+    <ds:schemaRef ds:uri="http://schemas.microsoft.com/VisualStudio/2011/storyboarding/control"/>
+  </ds:schemaRefs>
+</ds:datastoreItem>
+</file>
+
+<file path=customXml/itemProps20.xml><?xml version="1.0" encoding="utf-8"?>
+<ds:datastoreItem xmlns:ds="http://schemas.openxmlformats.org/officeDocument/2006/customXml" ds:itemID="{4E805D65-1532-4BB0-8F41-8013167C0009}">
+  <ds:schemaRefs>
+    <ds:schemaRef ds:uri="http://schemas.microsoft.com/VisualStudio/2011/storyboarding/control"/>
+  </ds:schemaRefs>
+</ds:datastoreItem>
+</file>
+
+<file path=customXml/itemProps21.xml><?xml version="1.0" encoding="utf-8"?>
+<ds:datastoreItem xmlns:ds="http://schemas.openxmlformats.org/officeDocument/2006/customXml" ds:itemID="{8893E80D-6D0C-4E0F-AA22-E5615BB87E5B}">
+  <ds:schemaRefs>
+    <ds:schemaRef ds:uri="http://schemas.microsoft.com/VisualStudio/2011/storyboarding/control"/>
+  </ds:schemaRefs>
+</ds:datastoreItem>
+</file>
+
+<file path=customXml/itemProps22.xml><?xml version="1.0" encoding="utf-8"?>
 <ds:datastoreItem xmlns:ds="http://schemas.openxmlformats.org/officeDocument/2006/customXml" ds:itemID="{758FDAC0-319D-4A54-8D8E-1D42CB1F8004}">
   <ds:schemaRefs>
     <ds:schemaRef ds:uri="http://schemas.microsoft.com/sharepoint/v3/contenttype/forms"/>
@@ -45040,31 +45157,47 @@
 </ds:datastoreItem>
 </file>
 
-<file path=customXml/itemProps11.xml><?xml version="1.0" encoding="utf-8"?>
-<ds:datastoreItem xmlns:ds="http://schemas.openxmlformats.org/officeDocument/2006/customXml" ds:itemID="{4C1B3C27-4803-4D72-A3F8-6668A3F0A24B}">
+<file path=customXml/itemProps23.xml><?xml version="1.0" encoding="utf-8"?>
+<ds:datastoreItem xmlns:ds="http://schemas.openxmlformats.org/officeDocument/2006/customXml" ds:itemID="{3C954CC5-1CAC-4EC3-9791-8630483065B9}">
   <ds:schemaRefs>
     <ds:schemaRef ds:uri="http://schemas.microsoft.com/VisualStudio/2011/storyboarding/control"/>
   </ds:schemaRefs>
 </ds:datastoreItem>
 </file>
 
-<file path=customXml/itemProps12.xml><?xml version="1.0" encoding="utf-8"?>
-<ds:datastoreItem xmlns:ds="http://schemas.openxmlformats.org/officeDocument/2006/customXml" ds:itemID="{67213E6F-7B96-4222-888B-63710B06D885}">
+<file path=customXml/itemProps24.xml><?xml version="1.0" encoding="utf-8"?>
+<ds:datastoreItem xmlns:ds="http://schemas.openxmlformats.org/officeDocument/2006/customXml" ds:itemID="{8257D6BC-B71E-4D95-81E4-A1D4A8174168}">
   <ds:schemaRefs>
     <ds:schemaRef ds:uri="http://schemas.microsoft.com/VisualStudio/2011/storyboarding/control"/>
   </ds:schemaRefs>
 </ds:datastoreItem>
 </file>
 
-<file path=customXml/itemProps13.xml><?xml version="1.0" encoding="utf-8"?>
-<ds:datastoreItem xmlns:ds="http://schemas.openxmlformats.org/officeDocument/2006/customXml" ds:itemID="{4E8278DB-3CDD-48A7-992E-A7596AD335B9}">
+<file path=customXml/itemProps25.xml><?xml version="1.0" encoding="utf-8"?>
+<ds:datastoreItem xmlns:ds="http://schemas.openxmlformats.org/officeDocument/2006/customXml" ds:itemID="{F990F116-B58F-4255-B05B-DA3808E0E5C6}">
+  <ds:schemaRefs>
+    <ds:schemaRef ds:uri="83cd2334-221a-48c3-9034-bfd1542dfe28"/>
+    <ds:schemaRef ds:uri="http://purl.org/dc/elements/1.1/"/>
+    <ds:schemaRef ds:uri="http://schemas.microsoft.com/office/2006/metadata/properties"/>
+    <ds:schemaRef ds:uri="http://schemas.microsoft.com/office/2006/documentManagement/types"/>
+    <ds:schemaRef ds:uri="http://purl.org/dc/terms/"/>
+    <ds:schemaRef ds:uri="http://schemas.openxmlformats.org/package/2006/metadata/core-properties"/>
+    <ds:schemaRef ds:uri="http://purl.org/dc/dcmitype/"/>
+    <ds:schemaRef ds:uri="http://schemas.microsoft.com/office/infopath/2007/PartnerControls"/>
+    <ds:schemaRef ds:uri="http://www.w3.org/XML/1998/namespace"/>
+  </ds:schemaRefs>
+</ds:datastoreItem>
+</file>
+
+<file path=customXml/itemProps26.xml><?xml version="1.0" encoding="utf-8"?>
+<ds:datastoreItem xmlns:ds="http://schemas.openxmlformats.org/officeDocument/2006/customXml" ds:itemID="{38217AA1-CC95-49A9-B284-2ED4D347D7CA}">
   <ds:schemaRefs>
     <ds:schemaRef ds:uri="http://schemas.microsoft.com/VisualStudio/2011/storyboarding/control"/>
   </ds:schemaRefs>
 </ds:datastoreItem>
 </file>
 
-<file path=customXml/itemProps14.xml><?xml version="1.0" encoding="utf-8"?>
+<file path=customXml/itemProps27.xml><?xml version="1.0" encoding="utf-8"?>
 <ds:datastoreItem xmlns:ds="http://schemas.openxmlformats.org/officeDocument/2006/customXml" ds:itemID="{11F98F69-7518-4AE2-AE7B-E037DC9DDC97}">
   <ds:schemaRefs>
     <ds:schemaRef ds:uri="http://schemas.microsoft.com/office/2006/metadata/contentType"/>
@@ -45082,71 +45215,7 @@
 </ds:datastoreItem>
 </file>
 
-<file path=customXml/itemProps15.xml><?xml version="1.0" encoding="utf-8"?>
-<ds:datastoreItem xmlns:ds="http://schemas.openxmlformats.org/officeDocument/2006/customXml" ds:itemID="{B5105A87-47B6-44F6-97FD-4619C0556604}">
-  <ds:schemaRefs>
-    <ds:schemaRef ds:uri="http://schemas.microsoft.com/VisualStudio/2011/storyboarding/control"/>
-  </ds:schemaRefs>
-</ds:datastoreItem>
-</file>
-
-<file path=customXml/itemProps16.xml><?xml version="1.0" encoding="utf-8"?>
-<ds:datastoreItem xmlns:ds="http://schemas.openxmlformats.org/officeDocument/2006/customXml" ds:itemID="{376216F9-AF6B-4844-AE8C-B9F953F916AB}">
-  <ds:schemaRefs>
-    <ds:schemaRef ds:uri="http://schemas.microsoft.com/VisualStudio/2011/storyboarding/control"/>
-  </ds:schemaRefs>
-</ds:datastoreItem>
-</file>
-
-<file path=customXml/itemProps17.xml><?xml version="1.0" encoding="utf-8"?>
-<ds:datastoreItem xmlns:ds="http://schemas.openxmlformats.org/officeDocument/2006/customXml" ds:itemID="{3DC6CABD-46E1-4C27-A0B3-616DC56F8E5C}">
-  <ds:schemaRefs>
-    <ds:schemaRef ds:uri="http://schemas.microsoft.com/VisualStudio/2011/storyboarding/control"/>
-  </ds:schemaRefs>
-</ds:datastoreItem>
-</file>
-
-<file path=customXml/itemProps18.xml><?xml version="1.0" encoding="utf-8"?>
-<ds:datastoreItem xmlns:ds="http://schemas.openxmlformats.org/officeDocument/2006/customXml" ds:itemID="{0282FB20-2D4C-459D-8468-77D1D3C6925D}">
-  <ds:schemaRefs>
-    <ds:schemaRef ds:uri="http://schemas.microsoft.com/VisualStudio/2011/storyboarding/control"/>
-  </ds:schemaRefs>
-</ds:datastoreItem>
-</file>
-
-<file path=customXml/itemProps19.xml><?xml version="1.0" encoding="utf-8"?>
-<ds:datastoreItem xmlns:ds="http://schemas.openxmlformats.org/officeDocument/2006/customXml" ds:itemID="{3C954CC5-1CAC-4EC3-9791-8630483065B9}">
-  <ds:schemaRefs>
-    <ds:schemaRef ds:uri="http://schemas.microsoft.com/VisualStudio/2011/storyboarding/control"/>
-  </ds:schemaRefs>
-</ds:datastoreItem>
-</file>
-
-<file path=customXml/itemProps2.xml><?xml version="1.0" encoding="utf-8"?>
-<ds:datastoreItem xmlns:ds="http://schemas.openxmlformats.org/officeDocument/2006/customXml" ds:itemID="{C0F92A87-A216-45A9-B9C0-0515663D35BF}">
-  <ds:schemaRefs>
-    <ds:schemaRef ds:uri="http://schemas.microsoft.com/VisualStudio/2011/storyboarding/control"/>
-  </ds:schemaRefs>
-</ds:datastoreItem>
-</file>
-
-<file path=customXml/itemProps20.xml><?xml version="1.0" encoding="utf-8"?>
-<ds:datastoreItem xmlns:ds="http://schemas.openxmlformats.org/officeDocument/2006/customXml" ds:itemID="{42D603BF-B513-4201-A599-21BA0F4FFC40}">
-  <ds:schemaRefs>
-    <ds:schemaRef ds:uri="http://schemas.microsoft.com/VisualStudio/2011/storyboarding/control"/>
-  </ds:schemaRefs>
-</ds:datastoreItem>
-</file>
-
-<file path=customXml/itemProps21.xml><?xml version="1.0" encoding="utf-8"?>
-<ds:datastoreItem xmlns:ds="http://schemas.openxmlformats.org/officeDocument/2006/customXml" ds:itemID="{C63AC2F0-1DEB-4E91-A88A-7A014A172F4F}">
-  <ds:schemaRefs>
-    <ds:schemaRef ds:uri="http://schemas.microsoft.com/VisualStudio/2011/storyboarding/control"/>
-  </ds:schemaRefs>
-</ds:datastoreItem>
-</file>
-
-<file path=customXml/itemProps22.xml><?xml version="1.0" encoding="utf-8"?>
+<file path=customXml/itemProps28.xml><?xml version="1.0" encoding="utf-8"?>
 <ds:datastoreItem xmlns:ds="http://schemas.openxmlformats.org/officeDocument/2006/customXml" ds:itemID="{432851C6-BC05-4673-B853-6D08AB80CDC4}">
   <ds:schemaRefs>
     <ds:schemaRef ds:uri="http://schemas.microsoft.com/VisualStudio/2011/storyboarding/control"/>
@@ -45154,39 +45223,7 @@
 </ds:datastoreItem>
 </file>
 
-<file path=customXml/itemProps23.xml><?xml version="1.0" encoding="utf-8"?>
-<ds:datastoreItem xmlns:ds="http://schemas.openxmlformats.org/officeDocument/2006/customXml" ds:itemID="{4E805D65-1532-4BB0-8F41-8013167C0009}">
-  <ds:schemaRefs>
-    <ds:schemaRef ds:uri="http://schemas.microsoft.com/VisualStudio/2011/storyboarding/control"/>
-  </ds:schemaRefs>
-</ds:datastoreItem>
-</file>
-
-<file path=customXml/itemProps24.xml><?xml version="1.0" encoding="utf-8"?>
-<ds:datastoreItem xmlns:ds="http://schemas.openxmlformats.org/officeDocument/2006/customXml" ds:itemID="{366CA990-F93D-4100-9654-65D9E30F4E1C}">
-  <ds:schemaRefs>
-    <ds:schemaRef ds:uri="http://schemas.microsoft.com/VisualStudio/2011/storyboarding/control"/>
-  </ds:schemaRefs>
-</ds:datastoreItem>
-</file>
-
-<file path=customXml/itemProps25.xml><?xml version="1.0" encoding="utf-8"?>
-<ds:datastoreItem xmlns:ds="http://schemas.openxmlformats.org/officeDocument/2006/customXml" ds:itemID="{7959CC6A-F423-4783-B968-3BCC86A7394E}">
-  <ds:schemaRefs>
-    <ds:schemaRef ds:uri="http://schemas.microsoft.com/VisualStudio/2011/storyboarding/control"/>
-  </ds:schemaRefs>
-</ds:datastoreItem>
-</file>
-
-<file path=customXml/itemProps26.xml><?xml version="1.0" encoding="utf-8"?>
-<ds:datastoreItem xmlns:ds="http://schemas.openxmlformats.org/officeDocument/2006/customXml" ds:itemID="{4B16F4FE-7C26-4443-B426-81998D23ED87}">
-  <ds:schemaRefs>
-    <ds:schemaRef ds:uri="http://schemas.microsoft.com/VisualStudio/2011/storyboarding/control"/>
-  </ds:schemaRefs>
-</ds:datastoreItem>
-</file>
-
-<file path=customXml/itemProps27.xml><?xml version="1.0" encoding="utf-8"?>
+<file path=customXml/itemProps29.xml><?xml version="1.0" encoding="utf-8"?>
 <ds:datastoreItem xmlns:ds="http://schemas.openxmlformats.org/officeDocument/2006/customXml" ds:itemID="{82DB428A-B8F8-483F-8276-095629A8ECDB}">
   <ds:schemaRefs>
     <ds:schemaRef ds:uri="http://schemas.microsoft.com/VisualStudio/2011/storyboarding/control"/>
@@ -45194,24 +45231,8 @@
 </ds:datastoreItem>
 </file>
 
-<file path=customXml/itemProps28.xml><?xml version="1.0" encoding="utf-8"?>
-<ds:datastoreItem xmlns:ds="http://schemas.openxmlformats.org/officeDocument/2006/customXml" ds:itemID="{8893E80D-6D0C-4E0F-AA22-E5615BB87E5B}">
-  <ds:schemaRefs>
-    <ds:schemaRef ds:uri="http://schemas.microsoft.com/VisualStudio/2011/storyboarding/control"/>
-  </ds:schemaRefs>
-</ds:datastoreItem>
-</file>
-
-<file path=customXml/itemProps29.xml><?xml version="1.0" encoding="utf-8"?>
-<ds:datastoreItem xmlns:ds="http://schemas.openxmlformats.org/officeDocument/2006/customXml" ds:itemID="{0B54C583-7BAB-4080-8093-C5F84F5A225A}">
-  <ds:schemaRefs>
-    <ds:schemaRef ds:uri="http://schemas.microsoft.com/VisualStudio/2011/storyboarding/control"/>
-  </ds:schemaRefs>
-</ds:datastoreItem>
-</file>
-
 <file path=customXml/itemProps3.xml><?xml version="1.0" encoding="utf-8"?>
-<ds:datastoreItem xmlns:ds="http://schemas.openxmlformats.org/officeDocument/2006/customXml" ds:itemID="{F68D8396-E21C-4AFF-8FDD-70D00673D0EE}">
+<ds:datastoreItem xmlns:ds="http://schemas.openxmlformats.org/officeDocument/2006/customXml" ds:itemID="{C63AC2F0-1DEB-4E91-A88A-7A014A172F4F}">
   <ds:schemaRefs>
     <ds:schemaRef ds:uri="http://schemas.microsoft.com/VisualStudio/2011/storyboarding/control"/>
   </ds:schemaRefs>
@@ -45227,7 +45248,7 @@
 </file>
 
 <file path=customXml/itemProps31.xml><?xml version="1.0" encoding="utf-8"?>
-<ds:datastoreItem xmlns:ds="http://schemas.openxmlformats.org/officeDocument/2006/customXml" ds:itemID="{8257D6BC-B71E-4D95-81E4-A1D4A8174168}">
+<ds:datastoreItem xmlns:ds="http://schemas.openxmlformats.org/officeDocument/2006/customXml" ds:itemID="{FE651ABA-5DC1-4ABD-A06E-055AE54B337B}">
   <ds:schemaRefs>
     <ds:schemaRef ds:uri="http://schemas.microsoft.com/VisualStudio/2011/storyboarding/control"/>
   </ds:schemaRefs>
@@ -45235,7 +45256,7 @@
 </file>
 
 <file path=customXml/itemProps32.xml><?xml version="1.0" encoding="utf-8"?>
-<ds:datastoreItem xmlns:ds="http://schemas.openxmlformats.org/officeDocument/2006/customXml" ds:itemID="{6FB9D450-4C47-4A44-8C0D-C78D8A54C46F}">
+<ds:datastoreItem xmlns:ds="http://schemas.openxmlformats.org/officeDocument/2006/customXml" ds:itemID="{F68D8396-E21C-4AFF-8FDD-70D00673D0EE}">
   <ds:schemaRefs>
     <ds:schemaRef ds:uri="http://schemas.microsoft.com/VisualStudio/2011/storyboarding/control"/>
   </ds:schemaRefs>
@@ -45243,6 +45264,46 @@
 </file>
 
 <file path=customXml/itemProps33.xml><?xml version="1.0" encoding="utf-8"?>
+<ds:datastoreItem xmlns:ds="http://schemas.openxmlformats.org/officeDocument/2006/customXml" ds:itemID="{4E8278DB-3CDD-48A7-992E-A7596AD335B9}">
+  <ds:schemaRefs>
+    <ds:schemaRef ds:uri="http://schemas.microsoft.com/VisualStudio/2011/storyboarding/control"/>
+  </ds:schemaRefs>
+</ds:datastoreItem>
+</file>
+
+<file path=customXml/itemProps4.xml><?xml version="1.0" encoding="utf-8"?>
+<ds:datastoreItem xmlns:ds="http://schemas.openxmlformats.org/officeDocument/2006/customXml" ds:itemID="{21F6B647-976A-41D0-B760-9DF9DFC6AE3C}">
+  <ds:schemaRefs>
+    <ds:schemaRef ds:uri="http://schemas.microsoft.com/VisualStudio/2011/storyboarding/control"/>
+  </ds:schemaRefs>
+</ds:datastoreItem>
+</file>
+
+<file path=customXml/itemProps5.xml><?xml version="1.0" encoding="utf-8"?>
+<ds:datastoreItem xmlns:ds="http://schemas.openxmlformats.org/officeDocument/2006/customXml" ds:itemID="{67213E6F-7B96-4222-888B-63710B06D885}">
+  <ds:schemaRefs>
+    <ds:schemaRef ds:uri="http://schemas.microsoft.com/VisualStudio/2011/storyboarding/control"/>
+  </ds:schemaRefs>
+</ds:datastoreItem>
+</file>
+
+<file path=customXml/itemProps6.xml><?xml version="1.0" encoding="utf-8"?>
+<ds:datastoreItem xmlns:ds="http://schemas.openxmlformats.org/officeDocument/2006/customXml" ds:itemID="{3DC6CABD-46E1-4C27-A0B3-616DC56F8E5C}">
+  <ds:schemaRefs>
+    <ds:schemaRef ds:uri="http://schemas.microsoft.com/VisualStudio/2011/storyboarding/control"/>
+  </ds:schemaRefs>
+</ds:datastoreItem>
+</file>
+
+<file path=customXml/itemProps7.xml><?xml version="1.0" encoding="utf-8"?>
+<ds:datastoreItem xmlns:ds="http://schemas.openxmlformats.org/officeDocument/2006/customXml" ds:itemID="{7959CC6A-F423-4783-B968-3BCC86A7394E}">
+  <ds:schemaRefs>
+    <ds:schemaRef ds:uri="http://schemas.microsoft.com/VisualStudio/2011/storyboarding/control"/>
+  </ds:schemaRefs>
+</ds:datastoreItem>
+</file>
+
+<file path=customXml/itemProps8.xml><?xml version="1.0" encoding="utf-8"?>
 <ds:datastoreItem xmlns:ds="http://schemas.openxmlformats.org/officeDocument/2006/customXml" ds:itemID="{D4B5F268-5930-44CD-BDF1-D0A04D4BBC1C}">
   <ds:schemaRefs>
     <ds:schemaRef ds:uri="http://schemas.microsoft.com/VisualStudio/2011/storyboarding/control"/>
@@ -45250,56 +45311,8 @@
 </ds:datastoreItem>
 </file>
 
-<file path=customXml/itemProps4.xml><?xml version="1.0" encoding="utf-8"?>
-<ds:datastoreItem xmlns:ds="http://schemas.openxmlformats.org/officeDocument/2006/customXml" ds:itemID="{F990F116-B58F-4255-B05B-DA3808E0E5C6}">
-  <ds:schemaRefs>
-    <ds:schemaRef ds:uri="83cd2334-221a-48c3-9034-bfd1542dfe28"/>
-    <ds:schemaRef ds:uri="http://purl.org/dc/elements/1.1/"/>
-    <ds:schemaRef ds:uri="http://schemas.microsoft.com/office/2006/metadata/properties"/>
-    <ds:schemaRef ds:uri="http://schemas.microsoft.com/office/2006/documentManagement/types"/>
-    <ds:schemaRef ds:uri="http://purl.org/dc/terms/"/>
-    <ds:schemaRef ds:uri="http://schemas.openxmlformats.org/package/2006/metadata/core-properties"/>
-    <ds:schemaRef ds:uri="http://purl.org/dc/dcmitype/"/>
-    <ds:schemaRef ds:uri="http://schemas.microsoft.com/office/infopath/2007/PartnerControls"/>
-    <ds:schemaRef ds:uri="http://www.w3.org/XML/1998/namespace"/>
-  </ds:schemaRefs>
-</ds:datastoreItem>
-</file>
-
-<file path=customXml/itemProps5.xml><?xml version="1.0" encoding="utf-8"?>
-<ds:datastoreItem xmlns:ds="http://schemas.openxmlformats.org/officeDocument/2006/customXml" ds:itemID="{ED350DFE-2319-4AB0-BC96-1D36D125365A}">
-  <ds:schemaRefs>
-    <ds:schemaRef ds:uri="http://schemas.microsoft.com/VisualStudio/2011/storyboarding/control"/>
-  </ds:schemaRefs>
-</ds:datastoreItem>
-</file>
-
-<file path=customXml/itemProps6.xml><?xml version="1.0" encoding="utf-8"?>
-<ds:datastoreItem xmlns:ds="http://schemas.openxmlformats.org/officeDocument/2006/customXml" ds:itemID="{D6FEE829-2115-45B4-8110-670FD454542B}">
-  <ds:schemaRefs>
-    <ds:schemaRef ds:uri="http://schemas.microsoft.com/VisualStudio/2011/storyboarding/control"/>
-  </ds:schemaRefs>
-</ds:datastoreItem>
-</file>
-
-<file path=customXml/itemProps7.xml><?xml version="1.0" encoding="utf-8"?>
-<ds:datastoreItem xmlns:ds="http://schemas.openxmlformats.org/officeDocument/2006/customXml" ds:itemID="{21F6B647-976A-41D0-B760-9DF9DFC6AE3C}">
-  <ds:schemaRefs>
-    <ds:schemaRef ds:uri="http://schemas.microsoft.com/VisualStudio/2011/storyboarding/control"/>
-  </ds:schemaRefs>
-</ds:datastoreItem>
-</file>
-
-<file path=customXml/itemProps8.xml><?xml version="1.0" encoding="utf-8"?>
-<ds:datastoreItem xmlns:ds="http://schemas.openxmlformats.org/officeDocument/2006/customXml" ds:itemID="{FE651ABA-5DC1-4ABD-A06E-055AE54B337B}">
-  <ds:schemaRefs>
-    <ds:schemaRef ds:uri="http://schemas.microsoft.com/VisualStudio/2011/storyboarding/control"/>
-  </ds:schemaRefs>
-</ds:datastoreItem>
-</file>
-
 <file path=customXml/itemProps9.xml><?xml version="1.0" encoding="utf-8"?>
-<ds:datastoreItem xmlns:ds="http://schemas.openxmlformats.org/officeDocument/2006/customXml" ds:itemID="{38217AA1-CC95-49A9-B284-2ED4D347D7CA}">
+<ds:datastoreItem xmlns:ds="http://schemas.openxmlformats.org/officeDocument/2006/customXml" ds:itemID="{C0F92A87-A216-45A9-B9C0-0515663D35BF}">
   <ds:schemaRefs>
     <ds:schemaRef ds:uri="http://schemas.microsoft.com/VisualStudio/2011/storyboarding/control"/>
   </ds:schemaRefs>
